--- a/VisualCryptography.pptx
+++ b/VisualCryptography.pptx
@@ -5,7 +5,7 @@
     <p:sldMasterId id="2147483660" r:id="rId4"/>
   </p:sldMasterIdLst>
   <p:notesMasterIdLst>
-    <p:notesMasterId r:id="rId24"/>
+    <p:notesMasterId r:id="rId25"/>
   </p:notesMasterIdLst>
   <p:sldIdLst>
     <p:sldId id="256" r:id="rId5"/>
@@ -26,7 +26,8 @@
     <p:sldId id="276" r:id="rId20"/>
     <p:sldId id="275" r:id="rId21"/>
     <p:sldId id="269" r:id="rId22"/>
-    <p:sldId id="266" r:id="rId23"/>
+    <p:sldId id="280" r:id="rId23"/>
+    <p:sldId id="266" r:id="rId24"/>
   </p:sldIdLst>
   <p:sldSz cx="9144000" cy="5143500" type="screen16x9"/>
   <p:notesSz cx="6858000" cy="9144000"/>
@@ -142,6 +143,16 @@
     </p:ext>
   </p:extLst>
 </p:presentation>
+</file>
+
+<file path=ppt/revisionInfo.xml><?xml version="1.0" encoding="utf-8"?>
+<p1510:revInfo xmlns:a="http://schemas.openxmlformats.org/drawingml/2006/main" xmlns:r="http://schemas.openxmlformats.org/officeDocument/2006/relationships" xmlns:p1510="http://schemas.microsoft.com/office/powerpoint/2015/10/main">
+  <p1510:revLst>
+    <p1510:client id="{5995E8F3-04CD-C54A-B8BF-AC8BC73EC84D}" v="500" dt="2023-12-12T03:24:48.471"/>
+    <p1510:client id="{71F01336-9730-3C41-AABE-185465127F63}" v="2011" dt="2023-12-12T15:14:23.975"/>
+    <p1510:client id="{B1CC74CD-DFAE-4706-95A1-99C4436BD14B}" v="7237" dt="2023-12-12T14:24:31.090"/>
+  </p1510:revLst>
+</p1510:revInfo>
 </file>
 
 <file path=ppt/notesMasters/notesMaster1.xml><?xml version="1.0" encoding="utf-8"?>
@@ -678,10 +689,10 @@
               <a:buNone/>
             </a:pPr>
             <a:r>
-              <a:rPr lang="en-US" dirty="0"/>
+              <a:rPr lang="en-US"/>
               <a:t>Sid</a:t>
             </a:r>
-            <a:endParaRPr dirty="0"/>
+            <a:endParaRPr/>
           </a:p>
         </p:txBody>
       </p:sp>
@@ -743,7 +754,7 @@
           <a:lstStyle/>
           <a:p>
             <a:r>
-              <a:rPr lang="en-US" dirty="0"/>
+              <a:rPr lang="en-US"/>
               <a:t>Sparsh</a:t>
             </a:r>
           </a:p>
@@ -1083,7 +1094,22 @@
             </a:pPr>
             <a:r>
               <a:rPr lang="en-US"/>
-              <a:t>If a color in the pixel needs to be shown, then the subpixel group of the CMY shares will be chosen to have the color portions correspond the white/transparent subpixels of the black share’s subpixel group. If the color should not be shown, then the colored subpixels will be under the black share's black subpixels</a:t>
+              <a:t>If a color in the pixel needs to be shown, then the subpixel group of the CMY shares will be chosen to have the color portions correspond the white/transparent subpixels of the black share’s subpixel group. If the color should not be shown, then the colored subpixels will be under the black share's black subpixels.</a:t>
+            </a:r>
+          </a:p>
+          <a:p>
+            <a:pPr marL="158750" indent="0">
+              <a:buNone/>
+            </a:pPr>
+            <a:endParaRPr lang="en-US"/>
+          </a:p>
+          <a:p>
+            <a:pPr marL="158750" indent="0">
+              <a:buNone/>
+            </a:pPr>
+            <a:r>
+              <a:rPr lang="en-US"/>
+              <a:t>These on the screen would result in a white pixel, which is 2 white subpixels and 2 black subpixels, since all the colored pixels correspond to the black subpixels of the black share. The white pixel is still half black</a:t>
             </a:r>
           </a:p>
         </p:txBody>
@@ -1195,7 +1221,7 @@
               <a:rPr lang="en-US">
                 <a:sym typeface="Wingdings" panose="05000000000000000000" pitchFamily="2" charset="2"/>
               </a:rPr>
-              <a:t>Black is the only color that is full</a:t>
+              <a:t>Black is the only color that is full since all the remaining colors are half black. This results in a decrease in contrast that you will see later</a:t>
             </a:r>
           </a:p>
           <a:p>
@@ -1288,15 +1314,7 @@
             </a:pPr>
             <a:r>
               <a:rPr lang="en-US"/>
-              <a:t>For example, red requires magenta and yellow to be mixed and </a:t>
-            </a:r>
-            <a:r>
-              <a:rPr lang="en-US" err="1"/>
-              <a:t>overlayed</a:t>
-            </a:r>
-            <a:r>
-              <a:rPr lang="en-US"/>
-              <a:t> to output red. If cyan is present the resulting color would not be red so the cyan must be colored. In this example, the black subpixel group selected for a pixel has the 2 left subpixels black and 2 right subpixels white/transparent. Since </a:t>
+              <a:t>For example, red requires magenta and yellow to be mixed and overlayed to output red. If cyan is present the resulting color would not be red so the cyan must be colored. In this example, the black subpixel group selected for a pixel has the 2 left subpixels black and 2 right subpixels white/transparent. Since </a:t>
             </a:r>
             <a:r>
               <a:rPr lang="en-GB"/>
@@ -1375,7 +1393,7 @@
               <a:buNone/>
             </a:pPr>
             <a:r>
-              <a:rPr lang="en-US" dirty="0"/>
+              <a:rPr lang="en-US"/>
               <a:t>Sid</a:t>
             </a:r>
           </a:p>
@@ -1383,27 +1401,19 @@
             <a:pPr marL="158750" indent="0">
               <a:buNone/>
             </a:pPr>
-            <a:endParaRPr lang="en-US" dirty="0"/>
+            <a:endParaRPr lang="en-US"/>
           </a:p>
           <a:p>
             <a:pPr marL="158750" indent="0">
               <a:buNone/>
             </a:pPr>
             <a:r>
-              <a:rPr lang="en-US" dirty="0"/>
-              <a:t>This is an example. The quality of the image is decreased and part of it is due to the pixel expansion and the fact that every pixel has 2 black subpixels. </a:t>
+              <a:rPr lang="en-US"/>
+              <a:t>This is an example. The quality of the image is decreased and part of it is due to the pixel expansion and the fact that every pixel has 2 black subpixels, naturally decreasing the overall resolution. </a:t>
             </a:r>
             <a:r>
               <a:rPr lang="en-GB"/>
-              <a:t>As you can see by the image of the zoomed in cyan share, each different coloured share has its respective colour and white, to ensure that when they are </a:t>
-            </a:r>
-            <a:r>
-              <a:rPr lang="en-GB" err="1"/>
-              <a:t>overlayed</a:t>
-            </a:r>
-            <a:r>
-              <a:rPr lang="en-GB"/>
-              <a:t> the original representation is accurately represented.</a:t>
+              <a:t>As you can see by the image of the zoomed in cyan share, each different coloured share has its respective colour and white, to ensure that when they are overlayed the original representation is accurately represented. By overlaying each of the shares, we can decrypt the image to arrive </a:t>
             </a:r>
           </a:p>
         </p:txBody>
@@ -1580,51 +1590,32 @@
               <a:buNone/>
             </a:pPr>
             <a:r>
-              <a:rPr lang="en-US" dirty="0"/>
+              <a:rPr lang="en-US"/>
               <a:t>Sid</a:t>
             </a:r>
           </a:p>
           <a:p>
-            <a:pPr marL="0" lvl="0" indent="0" algn="l" rtl="0">
-              <a:spcBef>
-                <a:spcPts val="0"/>
-              </a:spcBef>
-              <a:spcAft>
-                <a:spcPts val="0"/>
-              </a:spcAft>
-              <a:buNone/>
-            </a:pPr>
-            <a:endParaRPr lang="en-US" dirty="0"/>
-          </a:p>
-          <a:p>
-            <a:pPr marL="0" lvl="0" indent="0" algn="l" rtl="0">
-              <a:spcBef>
-                <a:spcPts val="0"/>
-              </a:spcBef>
-              <a:spcAft>
-                <a:spcPts val="0"/>
-              </a:spcAft>
+            <a:pPr marL="0" indent="0">
               <a:buNone/>
             </a:pPr>
             <a:r>
-              <a:rPr lang="en-US" dirty="0"/>
-              <a:t>We have our original image. It can broken up into n number of shares. If k-1 (or anything less than k) shares are </a:t>
+              <a:rPr lang="en-US"/>
+              <a:t>Idea of visual cryptography is to encrypt an image by breaking it down into shares</a:t>
             </a:r>
+          </a:p>
+          <a:p>
+            <a:pPr marL="0" indent="0">
+              <a:buNone/>
+            </a:pPr>
+            <a:endParaRPr lang="en-US"/>
+          </a:p>
+          <a:p>
+            <a:pPr marL="0" indent="0">
+              <a:buNone/>
+            </a:pPr>
             <a:r>
-              <a:rPr lang="en-US" err="1"/>
-              <a:t>overlayed</a:t>
-            </a:r>
-            <a:r>
-              <a:rPr lang="en-US" dirty="0"/>
-              <a:t>, we still do not get the encrypted picture. However, if k shares are </a:t>
-            </a:r>
-            <a:r>
-              <a:rPr lang="en-US" err="1"/>
-              <a:t>overlayed</a:t>
-            </a:r>
-            <a:r>
-              <a:rPr lang="en-US" dirty="0"/>
-              <a:t>, we get the decrypted image. </a:t>
+              <a:rPr lang="en-US"/>
+              <a:t>We have our original image. It can broken up into n number of shares. If k-1 (or anything less than k) shares are overlayed, we still do not get the encrypted picture. However, if k shares are overlayed, we get the decrypted image. </a:t>
             </a:r>
           </a:p>
         </p:txBody>
@@ -1687,7 +1678,7 @@
           <a:lstStyle/>
           <a:p>
             <a:r>
-              <a:rPr lang="en-US" dirty="0"/>
+              <a:rPr lang="en-US"/>
               <a:t>Sid</a:t>
             </a:r>
           </a:p>
@@ -1798,7 +1789,7 @@
               </a:spcAft>
               <a:buNone/>
             </a:pPr>
-            <a:endParaRPr lang="en-US" dirty="0"/>
+            <a:endParaRPr lang="en-US"/>
           </a:p>
           <a:p>
             <a:pPr marL="0" lvl="0" indent="0" algn="l" rtl="0">
@@ -1811,7 +1802,7 @@
               <a:buNone/>
             </a:pPr>
             <a:r>
-              <a:rPr lang="en-US" dirty="0"/>
+              <a:rPr lang="en-US"/>
               <a:t>Sid:</a:t>
             </a:r>
           </a:p>
@@ -1825,7 +1816,28 @@
               </a:spcAft>
               <a:buNone/>
             </a:pPr>
-            <a:endParaRPr lang="en-US" dirty="0"/>
+            <a:endParaRPr lang="en-US"/>
+          </a:p>
+          <a:p>
+            <a:pPr marL="0" indent="0">
+              <a:buNone/>
+            </a:pPr>
+            <a:r>
+              <a:rPr lang="en-US"/>
+              <a:t>One pixel can be converted into 4 sub-pixels, and these sub-pixels can be represented with a matric. When you overlay these 2 sets of sub-pixels, it is conducting an OR type operation, meaning if at least one of the entries is black, it becomes the dominant face.</a:t>
+            </a:r>
+          </a:p>
+          <a:p>
+            <a:pPr marL="0" lvl="0" indent="0" algn="l" rtl="0">
+              <a:spcBef>
+                <a:spcPts val="0"/>
+              </a:spcBef>
+              <a:spcAft>
+                <a:spcPts val="0"/>
+              </a:spcAft>
+              <a:buNone/>
+            </a:pPr>
+            <a:endParaRPr lang="en-US"/>
           </a:p>
           <a:p>
             <a:pPr marL="0" lvl="0" indent="0" algn="l" rtl="0">
@@ -1838,43 +1850,8 @@
               <a:buNone/>
             </a:pPr>
             <a:r>
-              <a:rPr lang="en-US" dirty="0"/>
-              <a:t>One pixel can be converted into 4 sub-pixels, and these sub-pixels can be represented with a matric. When you overlay these 2 sets of sub-pixels, it is basically conducting an OR-gate-type operation. </a:t>
-            </a:r>
-          </a:p>
-          <a:p>
-            <a:pPr marL="0" lvl="0" indent="0" algn="l" rtl="0">
-              <a:spcBef>
-                <a:spcPts val="0"/>
-              </a:spcBef>
-              <a:spcAft>
-                <a:spcPts val="0"/>
-              </a:spcAft>
-              <a:buNone/>
-            </a:pPr>
-            <a:endParaRPr lang="en-US" dirty="0"/>
-          </a:p>
-          <a:p>
-            <a:pPr marL="0" lvl="0" indent="0" algn="l" rtl="0">
-              <a:spcBef>
-                <a:spcPts val="0"/>
-              </a:spcBef>
-              <a:spcAft>
-                <a:spcPts val="0"/>
-              </a:spcAft>
-              <a:buNone/>
-            </a:pPr>
-            <a:r>
-              <a:rPr lang="en-US" dirty="0"/>
-              <a:t>For white pixels, the shares </a:t>
-            </a:r>
-            <a:r>
-              <a:rPr lang="en-US" err="1"/>
-              <a:t>overlayed</a:t>
-            </a:r>
-            <a:r>
-              <a:rPr lang="en-US" dirty="0"/>
-              <a:t> in such a way that 2 sub-pixels remain white and 2 sub-pixels are black. (explain that this is what cause the loss of contrast in decrypted image.)</a:t>
+              <a:rPr lang="en-US"/>
+              <a:t>For white pixels, the shares overlayed in such a way that 2 sub-pixels remain white and 2 sub-pixels are black. (explain that this is what cause the loss of contrast in decrypted image.)</a:t>
             </a:r>
             <a:endParaRPr lang="en-GB"/>
           </a:p>
@@ -1991,7 +1968,7 @@
               <a:defRPr/>
             </a:pPr>
             <a:r>
-              <a:rPr lang="en-US" dirty="0"/>
+              <a:rPr lang="en-US"/>
               <a:t>Sid</a:t>
             </a:r>
           </a:p>
@@ -2015,86 +1992,16 @@
               <a:tabLst/>
               <a:defRPr/>
             </a:pPr>
-            <a:endParaRPr lang="en-US" dirty="0"/>
-          </a:p>
-          <a:p>
-            <a:pPr marL="0" marR="0" lvl="0" indent="0" algn="l" defTabSz="914400" rtl="0" eaLnBrk="1" fontAlgn="auto" latinLnBrk="0" hangingPunct="1">
-              <a:lnSpc>
-                <a:spcPct val="100000"/>
-              </a:lnSpc>
-              <a:spcBef>
-                <a:spcPts val="0"/>
-              </a:spcBef>
-              <a:spcAft>
-                <a:spcPts val="0"/>
-              </a:spcAft>
-              <a:buClr>
-                <a:srgbClr val="000000"/>
-              </a:buClr>
-              <a:buSzPts val="1100"/>
-              <a:buFont typeface="Arial"/>
+            <a:endParaRPr lang="en-US"/>
+          </a:p>
+          <a:p>
+            <a:pPr marL="0" indent="0">
               <a:buNone/>
-              <a:tabLst/>
               <a:defRPr/>
             </a:pPr>
             <a:r>
-              <a:rPr lang="en-US" dirty="0"/>
-              <a:t>Same as previous.</a:t>
-            </a:r>
-          </a:p>
-          <a:p>
-            <a:pPr marL="0" marR="0" lvl="0" indent="0" algn="l" defTabSz="914400" rtl="0" eaLnBrk="1" fontAlgn="auto" latinLnBrk="0" hangingPunct="1">
-              <a:lnSpc>
-                <a:spcPct val="100000"/>
-              </a:lnSpc>
-              <a:spcBef>
-                <a:spcPts val="0"/>
-              </a:spcBef>
-              <a:spcAft>
-                <a:spcPts val="0"/>
-              </a:spcAft>
-              <a:buClr>
-                <a:srgbClr val="000000"/>
-              </a:buClr>
-              <a:buSzPts val="1100"/>
-              <a:buFont typeface="Arial"/>
-              <a:buNone/>
-              <a:tabLst/>
-              <a:defRPr/>
-            </a:pPr>
-            <a:endParaRPr lang="en-US" dirty="0"/>
-          </a:p>
-          <a:p>
-            <a:pPr marL="0" marR="0" lvl="0" indent="0" algn="l" defTabSz="914400" rtl="0" eaLnBrk="1" fontAlgn="auto" latinLnBrk="0" hangingPunct="1">
-              <a:lnSpc>
-                <a:spcPct val="100000"/>
-              </a:lnSpc>
-              <a:spcBef>
-                <a:spcPts val="0"/>
-              </a:spcBef>
-              <a:spcAft>
-                <a:spcPts val="0"/>
-              </a:spcAft>
-              <a:buClr>
-                <a:srgbClr val="000000"/>
-              </a:buClr>
-              <a:buSzPts val="1100"/>
-              <a:buFont typeface="Arial"/>
-              <a:buNone/>
-              <a:tabLst/>
-              <a:defRPr/>
-            </a:pPr>
-            <a:r>
-              <a:rPr lang="en-US" dirty="0"/>
-              <a:t>For black pixels, the shares </a:t>
-            </a:r>
-            <a:r>
-              <a:rPr lang="en-US" err="1"/>
-              <a:t>overlayed</a:t>
-            </a:r>
-            <a:r>
-              <a:rPr lang="en-US" dirty="0"/>
-              <a:t> in such a way that all subpixels in the overlay are black, and this can be done by taking shares that are complementary. </a:t>
+              <a:rPr lang="en-US"/>
+              <a:t>For black pixels, the shares overlayed in such a way that all subpixels in the overlay are black, and this can be done by taking shares that are complementary. </a:t>
             </a:r>
             <a:endParaRPr lang="en-GB"/>
           </a:p>
@@ -2201,7 +2108,7 @@
               <a:buNone/>
             </a:pPr>
             <a:r>
-              <a:rPr lang="en-US" dirty="0"/>
+              <a:rPr lang="en-US"/>
               <a:t>Sparsh</a:t>
             </a:r>
           </a:p>
@@ -2215,7 +2122,7 @@
               </a:spcAft>
               <a:buNone/>
             </a:pPr>
-            <a:endParaRPr lang="en-US" dirty="0"/>
+            <a:endParaRPr lang="en-US"/>
           </a:p>
           <a:p>
             <a:pPr marL="0" lvl="0" indent="0" algn="l" rtl="0">
@@ -2228,7 +2135,7 @@
               <a:buNone/>
             </a:pPr>
             <a:r>
-              <a:rPr lang="en-US" dirty="0"/>
+              <a:rPr lang="en-US"/>
               <a:t>Explain how the previous encoding into sub-pixels is basically the pixel expansion scheme. </a:t>
             </a:r>
           </a:p>
@@ -2242,7 +2149,7 @@
               </a:spcAft>
               <a:buNone/>
             </a:pPr>
-            <a:endParaRPr lang="en-US" dirty="0"/>
+            <a:endParaRPr lang="en-US"/>
           </a:p>
           <a:p>
             <a:pPr marL="0" lvl="0" indent="0" algn="l" rtl="0">
@@ -2255,10 +2162,10 @@
               <a:buNone/>
             </a:pPr>
             <a:r>
-              <a:rPr lang="en-US" dirty="0"/>
+              <a:rPr lang="en-US"/>
               <a:t>Also, explain that these are different combinations (different types of shares: diagonal, horizontal, vertical) that can be represented by matrices.</a:t>
             </a:r>
-            <a:endParaRPr dirty="0"/>
+            <a:endParaRPr/>
           </a:p>
         </p:txBody>
       </p:sp>
@@ -2363,7 +2270,7 @@
               <a:buNone/>
             </a:pPr>
             <a:r>
-              <a:rPr lang="en-US" dirty="0"/>
+              <a:rPr lang="en-US"/>
               <a:t>Sparsh</a:t>
             </a:r>
           </a:p>
@@ -2377,7 +2284,7 @@
               </a:spcAft>
               <a:buNone/>
             </a:pPr>
-            <a:endParaRPr lang="en-US" dirty="0"/>
+            <a:endParaRPr lang="en-US"/>
           </a:p>
           <a:p>
             <a:pPr marL="0" lvl="0" indent="0" algn="l" rtl="0">
@@ -2390,10 +2297,10 @@
               <a:buNone/>
             </a:pPr>
             <a:r>
-              <a:rPr lang="en-US" dirty="0"/>
+              <a:rPr lang="en-US"/>
               <a:t>Explain the example by using the concepts built in last 4 slides and then highlight how the example is working by focusing on one white and one black pixel.</a:t>
             </a:r>
-            <a:endParaRPr dirty="0"/>
+            <a:endParaRPr/>
           </a:p>
         </p:txBody>
       </p:sp>
@@ -2455,7 +2362,7 @@
           <a:lstStyle/>
           <a:p>
             <a:r>
-              <a:rPr lang="en-US" dirty="0"/>
+              <a:rPr lang="en-US"/>
               <a:t>Sparsh</a:t>
             </a:r>
           </a:p>
@@ -2524,7 +2431,7 @@
           <a:lstStyle/>
           <a:p>
             <a:r>
-              <a:rPr lang="en-US" dirty="0"/>
+              <a:rPr lang="en-US"/>
               <a:t>Sparsh</a:t>
             </a:r>
           </a:p>
@@ -2771,7 +2678,7 @@
             <a:fld id="{B61BEF0D-F0BB-DE4B-95CE-6DB70DBA9567}" type="datetimeFigureOut">
               <a:rPr lang="en-US" dirty="0"/>
               <a:pPr/>
-              <a:t>12/11/23</a:t>
+              <a:t>12/12/23</a:t>
             </a:fld>
             <a:endParaRPr lang="en-US"/>
           </a:p>
@@ -3114,7 +3021,7 @@
             <a:fld id="{B61BEF0D-F0BB-DE4B-95CE-6DB70DBA9567}" type="datetimeFigureOut">
               <a:rPr lang="en-US" dirty="0"/>
               <a:pPr/>
-              <a:t>12/11/23</a:t>
+              <a:t>12/12/23</a:t>
             </a:fld>
             <a:endParaRPr lang="en-US"/>
           </a:p>
@@ -3402,7 +3309,7 @@
             <a:fld id="{B61BEF0D-F0BB-DE4B-95CE-6DB70DBA9567}" type="datetimeFigureOut">
               <a:rPr lang="en-US" dirty="0"/>
               <a:pPr/>
-              <a:t>12/11/23</a:t>
+              <a:t>12/12/23</a:t>
             </a:fld>
             <a:endParaRPr lang="en-US"/>
           </a:p>
@@ -3980,7 +3887,7 @@
             <a:fld id="{B61BEF0D-F0BB-DE4B-95CE-6DB70DBA9567}" type="datetimeFigureOut">
               <a:rPr lang="en-US" dirty="0"/>
               <a:pPr/>
-              <a:t>12/11/23</a:t>
+              <a:t>12/12/23</a:t>
             </a:fld>
             <a:endParaRPr lang="en-US"/>
           </a:p>
@@ -4268,7 +4175,7 @@
             <a:fld id="{B61BEF0D-F0BB-DE4B-95CE-6DB70DBA9567}" type="datetimeFigureOut">
               <a:rPr lang="en-US" dirty="0"/>
               <a:pPr/>
-              <a:t>12/11/23</a:t>
+              <a:t>12/12/23</a:t>
             </a:fld>
             <a:endParaRPr lang="en-US"/>
           </a:p>
@@ -4840,7 +4747,7 @@
             <a:fld id="{B61BEF0D-F0BB-DE4B-95CE-6DB70DBA9567}" type="datetimeFigureOut">
               <a:rPr lang="en-US" dirty="0"/>
               <a:pPr/>
-              <a:t>12/11/23</a:t>
+              <a:t>12/12/23</a:t>
             </a:fld>
             <a:endParaRPr lang="en-US"/>
           </a:p>
@@ -5177,7 +5084,7 @@
             <a:fld id="{B61BEF0D-F0BB-DE4B-95CE-6DB70DBA9567}" type="datetimeFigureOut">
               <a:rPr lang="en-US" dirty="0"/>
               <a:pPr/>
-              <a:t>12/11/23</a:t>
+              <a:t>12/12/23</a:t>
             </a:fld>
             <a:endParaRPr lang="en-US"/>
           </a:p>
@@ -5364,7 +5271,7 @@
             <a:fld id="{B61BEF0D-F0BB-DE4B-95CE-6DB70DBA9567}" type="datetimeFigureOut">
               <a:rPr lang="en-US" dirty="0"/>
               <a:pPr/>
-              <a:t>12/11/23</a:t>
+              <a:t>12/12/23</a:t>
             </a:fld>
             <a:endParaRPr lang="en-US"/>
           </a:p>
@@ -5610,7 +5517,7 @@
             <a:fld id="{B61BEF0D-F0BB-DE4B-95CE-6DB70DBA9567}" type="datetimeFigureOut">
               <a:rPr lang="en-US" dirty="0"/>
               <a:pPr/>
-              <a:t>12/11/23</a:t>
+              <a:t>12/12/23</a:t>
             </a:fld>
             <a:endParaRPr lang="en-US"/>
           </a:p>
@@ -6186,7 +6093,7 @@
             <a:fld id="{B61BEF0D-F0BB-DE4B-95CE-6DB70DBA9567}" type="datetimeFigureOut">
               <a:rPr lang="en-US" dirty="0"/>
               <a:pPr/>
-              <a:t>12/11/23</a:t>
+              <a:t>12/12/23</a:t>
             </a:fld>
             <a:endParaRPr lang="en-US"/>
           </a:p>
@@ -6472,7 +6379,7 @@
             <a:fld id="{B61BEF0D-F0BB-DE4B-95CE-6DB70DBA9567}" type="datetimeFigureOut">
               <a:rPr lang="en-US" dirty="0"/>
               <a:pPr/>
-              <a:t>12/11/23</a:t>
+              <a:t>12/12/23</a:t>
             </a:fld>
             <a:endParaRPr lang="en-US"/>
           </a:p>
@@ -6746,7 +6653,7 @@
             <a:fld id="{B61BEF0D-F0BB-DE4B-95CE-6DB70DBA9567}" type="datetimeFigureOut">
               <a:rPr lang="en-US" dirty="0"/>
               <a:pPr/>
-              <a:t>12/11/23</a:t>
+              <a:t>12/12/23</a:t>
             </a:fld>
             <a:endParaRPr lang="en-US"/>
           </a:p>
@@ -7128,7 +7035,7 @@
             <a:fld id="{B61BEF0D-F0BB-DE4B-95CE-6DB70DBA9567}" type="datetimeFigureOut">
               <a:rPr lang="en-US" dirty="0"/>
               <a:pPr/>
-              <a:t>12/11/23</a:t>
+              <a:t>12/12/23</a:t>
             </a:fld>
             <a:endParaRPr lang="en-US"/>
           </a:p>
@@ -7286,7 +7193,7 @@
             <a:fld id="{B61BEF0D-F0BB-DE4B-95CE-6DB70DBA9567}" type="datetimeFigureOut">
               <a:rPr lang="en-US" dirty="0"/>
               <a:pPr/>
-              <a:t>12/11/23</a:t>
+              <a:t>12/12/23</a:t>
             </a:fld>
             <a:endParaRPr lang="en-US"/>
           </a:p>
@@ -7422,7 +7329,7 @@
             <a:fld id="{B61BEF0D-F0BB-DE4B-95CE-6DB70DBA9567}" type="datetimeFigureOut">
               <a:rPr lang="en-US" dirty="0"/>
               <a:pPr/>
-              <a:t>12/11/23</a:t>
+              <a:t>12/12/23</a:t>
             </a:fld>
             <a:endParaRPr lang="en-US"/>
           </a:p>
@@ -7715,7 +7622,7 @@
             <a:fld id="{B61BEF0D-F0BB-DE4B-95CE-6DB70DBA9567}" type="datetimeFigureOut">
               <a:rPr lang="en-US" dirty="0"/>
               <a:pPr/>
-              <a:t>12/11/23</a:t>
+              <a:t>12/12/23</a:t>
             </a:fld>
             <a:endParaRPr lang="en-US"/>
           </a:p>
@@ -8048,7 +7955,7 @@
             <a:fld id="{B61BEF0D-F0BB-DE4B-95CE-6DB70DBA9567}" type="datetimeFigureOut">
               <a:rPr lang="en-US" dirty="0"/>
               <a:pPr/>
-              <a:t>12/11/23</a:t>
+              <a:t>12/12/23</a:t>
             </a:fld>
             <a:endParaRPr lang="en-US"/>
           </a:p>
@@ -8271,7 +8178,7 @@
             <a:fld id="{B61BEF0D-F0BB-DE4B-95CE-6DB70DBA9567}" type="datetimeFigureOut">
               <a:rPr lang="en-US" dirty="0"/>
               <a:pPr/>
-              <a:t>12/11/23</a:t>
+              <a:t>12/12/23</a:t>
             </a:fld>
             <a:endParaRPr lang="en-US"/>
           </a:p>
@@ -9113,14 +9020,14 @@
           <a:lstStyle/>
           <a:p>
             <a:r>
-              <a:rPr lang="en-US" dirty="0"/>
+              <a:rPr lang="en-US"/>
               <a:t>k out of N scheme  - Decrypting Image</a:t>
             </a:r>
           </a:p>
         </p:txBody>
       </p:sp>
-      <mc:AlternateContent xmlns:mc="http://schemas.openxmlformats.org/markup-compatibility/2006">
-        <mc:Choice xmlns:a14="http://schemas.microsoft.com/office/drawing/2010/main" Requires="a14">
+      <mc:AlternateContent xmlns:mc="http://schemas.openxmlformats.org/markup-compatibility/2006" xmlns:a14="http://schemas.microsoft.com/office/drawing/2010/main">
+        <mc:Choice Requires="a14">
           <p:sp>
             <p:nvSpPr>
               <p:cNvPr id="4" name="TextBox 3">
@@ -9151,6 +9058,7 @@
               </a:bodyPr>
               <a:lstStyle/>
               <a:p>
+                <a:pPr/>
                 <a14:m>
                   <m:oMathPara xmlns:m="http://schemas.openxmlformats.org/officeDocument/2006/math">
                     <m:oMathParaPr>
@@ -9743,12 +9651,12 @@
                     </m:oMath>
                   </m:oMathPara>
                 </a14:m>
-                <a:endParaRPr lang="en-US" sz="1400" dirty="0"/>
+                <a:endParaRPr lang="en-US" sz="1400"/>
               </a:p>
             </p:txBody>
           </p:sp>
         </mc:Choice>
-        <mc:Fallback>
+        <mc:Fallback xmlns="">
           <p:sp>
             <p:nvSpPr>
               <p:cNvPr id="4" name="TextBox 3">
@@ -9774,7 +9682,7 @@
               <a:blipFill>
                 <a:blip r:embed="rId3"/>
                 <a:stretch>
-                  <a:fillRect t="-1075"/>
+                  <a:fillRect/>
                 </a:stretch>
               </a:blipFill>
             </p:spPr>
@@ -9822,27 +9730,27 @@
           <a:lstStyle/>
           <a:p>
             <a:r>
-              <a:rPr lang="en-US" sz="1800" dirty="0"/>
+              <a:rPr lang="en-US" sz="1800"/>
               <a:t> </a:t>
             </a:r>
             <a:r>
-              <a:rPr lang="en-US" sz="1800" i="1" dirty="0"/>
+              <a:rPr lang="en-US" sz="1800" i="1"/>
               <a:t>S</a:t>
             </a:r>
             <a:r>
-              <a:rPr lang="en-US" sz="1800" i="1" baseline="-25000" dirty="0"/>
+              <a:rPr lang="en-US" sz="1800" i="1" baseline="-25000"/>
               <a:t>0</a:t>
             </a:r>
             <a:r>
-              <a:rPr lang="en-US" sz="1800" dirty="0"/>
+              <a:rPr lang="en-US" sz="1800"/>
               <a:t> =</a:t>
             </a:r>
-            <a:endParaRPr lang="en-US" dirty="0"/>
+            <a:endParaRPr lang="en-US"/>
           </a:p>
         </p:txBody>
       </p:sp>
-      <mc:AlternateContent xmlns:mc="http://schemas.openxmlformats.org/markup-compatibility/2006">
-        <mc:Choice xmlns:a14="http://schemas.microsoft.com/office/drawing/2010/main" Requires="a14">
+      <mc:AlternateContent xmlns:mc="http://schemas.openxmlformats.org/markup-compatibility/2006" xmlns:a14="http://schemas.microsoft.com/office/drawing/2010/main">
+        <mc:Choice Requires="a14">
           <p:sp>
             <p:nvSpPr>
               <p:cNvPr id="6" name="TextBox 5">
@@ -9873,6 +9781,7 @@
               </a:bodyPr>
               <a:lstStyle/>
               <a:p>
+                <a:pPr/>
                 <a14:m>
                   <m:oMathPara xmlns:m="http://schemas.openxmlformats.org/officeDocument/2006/math">
                     <m:oMathParaPr>
@@ -10465,12 +10374,12 @@
                     </m:oMath>
                   </m:oMathPara>
                 </a14:m>
-                <a:endParaRPr lang="en-US" sz="1400" dirty="0"/>
+                <a:endParaRPr lang="en-US" sz="1400"/>
               </a:p>
             </p:txBody>
           </p:sp>
         </mc:Choice>
-        <mc:Fallback>
+        <mc:Fallback xmlns="">
           <p:sp>
             <p:nvSpPr>
               <p:cNvPr id="6" name="TextBox 5">
@@ -10544,22 +10453,22 @@
           <a:lstStyle/>
           <a:p>
             <a:r>
-              <a:rPr lang="en-US" sz="1800" dirty="0"/>
+              <a:rPr lang="en-US" sz="1800"/>
               <a:t> </a:t>
             </a:r>
             <a:r>
-              <a:rPr lang="en-US" sz="1800" i="1" dirty="0"/>
+              <a:rPr lang="en-US" sz="1800" i="1"/>
               <a:t>S</a:t>
             </a:r>
             <a:r>
-              <a:rPr lang="en-US" i="1" baseline="-25000" dirty="0"/>
+              <a:rPr lang="en-US" i="1" baseline="-25000"/>
               <a:t>1</a:t>
             </a:r>
             <a:r>
-              <a:rPr lang="en-US" sz="1800" dirty="0"/>
+              <a:rPr lang="en-US" sz="1800"/>
               <a:t> =</a:t>
             </a:r>
-            <a:endParaRPr lang="en-US" dirty="0"/>
+            <a:endParaRPr lang="en-US"/>
           </a:p>
         </p:txBody>
       </p:sp>
@@ -10651,8 +10560,8 @@
           </a:fontRef>
         </p:style>
       </p:cxnSp>
-      <mc:AlternateContent xmlns:mc="http://schemas.openxmlformats.org/markup-compatibility/2006">
-        <mc:Choice xmlns:a14="http://schemas.microsoft.com/office/drawing/2010/main" Requires="a14">
+      <mc:AlternateContent xmlns:mc="http://schemas.openxmlformats.org/markup-compatibility/2006" xmlns:a14="http://schemas.microsoft.com/office/drawing/2010/main">
+        <mc:Choice Requires="a14">
           <p:sp>
             <p:nvSpPr>
               <p:cNvPr id="10" name="TextBox 9">
@@ -10683,6 +10592,7 @@
               </a:bodyPr>
               <a:lstStyle/>
               <a:p>
+                <a:pPr/>
                 <a14:m>
                   <m:oMathPara xmlns:m="http://schemas.openxmlformats.org/officeDocument/2006/math">
                     <m:oMathParaPr>
@@ -11275,12 +11185,12 @@
                     </m:oMath>
                   </m:oMathPara>
                 </a14:m>
-                <a:endParaRPr lang="en-US" sz="1400" dirty="0"/>
+                <a:endParaRPr lang="en-US" sz="1400"/>
               </a:p>
             </p:txBody>
           </p:sp>
         </mc:Choice>
-        <mc:Fallback>
+        <mc:Fallback xmlns="">
           <p:sp>
             <p:nvSpPr>
               <p:cNvPr id="10" name="TextBox 9">
@@ -11306,7 +11216,7 @@
               <a:blipFill>
                 <a:blip r:embed="rId5"/>
                 <a:stretch>
-                  <a:fillRect t="-1075"/>
+                  <a:fillRect/>
                 </a:stretch>
               </a:blipFill>
             </p:spPr>
@@ -11355,42 +11265,42 @@
           <a:p>
             <a:pPr algn="ctr"/>
             <a:r>
-              <a:rPr lang="en-US" sz="1200" dirty="0"/>
+              <a:rPr lang="en-US" sz="1200"/>
               <a:t>Boolean OR result</a:t>
             </a:r>
           </a:p>
           <a:p>
             <a:pPr algn="ctr"/>
             <a:r>
-              <a:rPr lang="en-US" sz="1200" dirty="0"/>
+              <a:rPr lang="en-US" sz="1200"/>
               <a:t>(between each row of </a:t>
             </a:r>
             <a:r>
-              <a:rPr lang="en-US" sz="1200" i="1" dirty="0"/>
+              <a:rPr lang="en-US" sz="1200" i="1"/>
               <a:t>S</a:t>
             </a:r>
             <a:r>
-              <a:rPr lang="en-US" sz="1200" i="1" baseline="-25000" dirty="0"/>
+              <a:rPr lang="en-US" sz="1200" i="1" baseline="-25000"/>
               <a:t>0  </a:t>
             </a:r>
             <a:r>
-              <a:rPr lang="en-US" sz="1200" dirty="0"/>
+              <a:rPr lang="en-US" sz="1200"/>
               <a:t>and </a:t>
             </a:r>
             <a:r>
-              <a:rPr lang="en-US" sz="1200" i="1" baseline="-25000" dirty="0"/>
+              <a:rPr lang="en-US" sz="1200" i="1" baseline="-25000"/>
               <a:t> </a:t>
             </a:r>
             <a:r>
-              <a:rPr lang="en-US" sz="1200" i="1" dirty="0"/>
+              <a:rPr lang="en-US" sz="1200" i="1"/>
               <a:t>S</a:t>
             </a:r>
             <a:r>
-              <a:rPr lang="en-US" sz="1200" i="1" baseline="-25000" dirty="0"/>
+              <a:rPr lang="en-US" sz="1200" i="1" baseline="-25000"/>
               <a:t>1</a:t>
             </a:r>
             <a:r>
-              <a:rPr lang="en-US" sz="1200" dirty="0"/>
+              <a:rPr lang="en-US" sz="1200"/>
               <a:t>) </a:t>
             </a:r>
           </a:p>
@@ -11485,11 +11395,11 @@
           <a:p>
             <a:pPr algn="ctr"/>
             <a:r>
-              <a:rPr lang="en-US" sz="1200" dirty="0"/>
+              <a:rPr lang="en-US" sz="1200"/>
               <a:t>Column vector </a:t>
             </a:r>
             <a:r>
-              <a:rPr lang="en-US" sz="1200" i="1" dirty="0"/>
+              <a:rPr lang="en-US" sz="1200" i="1"/>
               <a:t>V</a:t>
             </a:r>
           </a:p>
@@ -11663,19 +11573,19 @@
           <a:p>
             <a:pPr algn="ctr"/>
             <a:r>
-              <a:rPr lang="en-US" sz="1200" dirty="0"/>
+              <a:rPr lang="en-US" sz="1200"/>
               <a:t>If </a:t>
             </a:r>
             <a:r>
-              <a:rPr lang="en-US" sz="1200" i="1" dirty="0"/>
+              <a:rPr lang="en-US" sz="1200" i="1"/>
               <a:t>H(V) &lt;= d</a:t>
             </a:r>
-            <a:endParaRPr lang="en-US" sz="1200" dirty="0"/>
+            <a:endParaRPr lang="en-US" sz="1200"/>
           </a:p>
         </p:txBody>
       </p:sp>
-      <mc:AlternateContent xmlns:mc="http://schemas.openxmlformats.org/markup-compatibility/2006">
-        <mc:Choice xmlns:a14="http://schemas.microsoft.com/office/drawing/2010/main" Requires="a14">
+      <mc:AlternateContent xmlns:mc="http://schemas.openxmlformats.org/markup-compatibility/2006" xmlns:a14="http://schemas.microsoft.com/office/drawing/2010/main">
+        <mc:Choice Requires="a14">
           <p:sp>
             <p:nvSpPr>
               <p:cNvPr id="52" name="TextBox 51">
@@ -11706,11 +11616,11 @@
               <a:p>
                 <a:pPr algn="ctr"/>
                 <a:r>
-                  <a:rPr lang="en-US" sz="1200" dirty="0"/>
+                  <a:rPr lang="en-US" sz="1200"/>
                   <a:t>If </a:t>
                 </a:r>
                 <a:r>
-                  <a:rPr lang="en-US" sz="1200" i="1" dirty="0"/>
+                  <a:rPr lang="en-US" sz="1200" i="1"/>
                   <a:t>H(V) &lt;  d - </a:t>
                 </a:r>
                 <a14:m>
@@ -11731,12 +11641,12 @@
                     </m:r>
                   </m:oMath>
                 </a14:m>
-                <a:endParaRPr lang="en-US" sz="1200" dirty="0"/>
+                <a:endParaRPr lang="en-US" sz="1200"/>
               </a:p>
             </p:txBody>
           </p:sp>
         </mc:Choice>
-        <mc:Fallback>
+        <mc:Fallback xmlns="">
           <p:sp>
             <p:nvSpPr>
               <p:cNvPr id="52" name="TextBox 51">
@@ -11762,7 +11672,7 @@
               <a:blipFill>
                 <a:blip r:embed="rId6"/>
                 <a:stretch>
-                  <a:fillRect b="-13043"/>
+                  <a:fillRect l="-518" t="-2222" b="-17778"/>
                 </a:stretch>
               </a:blipFill>
             </p:spPr>
@@ -11974,8 +11884,8 @@
           </a:p>
         </p:txBody>
       </p:sp>
-      <mc:AlternateContent xmlns:mc="http://schemas.openxmlformats.org/markup-compatibility/2006">
-        <mc:Choice xmlns:a14="http://schemas.microsoft.com/office/drawing/2010/main" Requires="a14">
+      <mc:AlternateContent xmlns:mc="http://schemas.openxmlformats.org/markup-compatibility/2006" xmlns:a14="http://schemas.microsoft.com/office/drawing/2010/main">
+        <mc:Choice Requires="a14">
           <p:sp>
             <p:nvSpPr>
               <p:cNvPr id="63" name="TextBox 62">
@@ -12006,34 +11916,34 @@
               <a:p>
                 <a:pPr algn="ctr"/>
                 <a:r>
-                  <a:rPr lang="en-US" sz="1200" dirty="0"/>
+                  <a:rPr lang="en-US" sz="1200"/>
                   <a:t>(where</a:t>
                 </a:r>
                 <a:r>
-                  <a:rPr lang="en-US" sz="1200" i="1" dirty="0"/>
+                  <a:rPr lang="en-US" sz="1200" i="1"/>
                   <a:t> H(V) </a:t>
                 </a:r>
                 <a:r>
-                  <a:rPr lang="en-US" sz="1200" dirty="0"/>
+                  <a:rPr lang="en-US" sz="1200"/>
                   <a:t>is the hamming weight of </a:t>
                 </a:r>
                 <a:r>
-                  <a:rPr lang="en-US" sz="1200" i="1" dirty="0"/>
-                  <a:t>V</a:t>
+                  <a:rPr lang="en-US" sz="1200" i="1"/>
+                  <a:t>V,</a:t>
                 </a:r>
               </a:p>
               <a:p>
                 <a:pPr algn="ctr"/>
                 <a:r>
-                  <a:rPr lang="en-US" sz="1200" i="1" dirty="0"/>
+                  <a:rPr lang="en-US" sz="1200" i="1"/>
                   <a:t>0 &lt;= d &lt;= m </a:t>
                 </a:r>
                 <a:r>
-                  <a:rPr lang="en-US" sz="1200" dirty="0"/>
+                  <a:rPr lang="en-US" sz="1200"/>
                   <a:t>and</a:t>
                 </a:r>
                 <a:r>
-                  <a:rPr lang="en-US" sz="1200" i="1" dirty="0"/>
+                  <a:rPr lang="en-US" sz="1200" i="1"/>
                   <a:t> </a:t>
                 </a:r>
                 <a14:m>
@@ -12048,15 +11958,15 @@
                   </m:oMath>
                 </a14:m>
                 <a:r>
-                  <a:rPr lang="en-US" sz="1200" i="1" dirty="0"/>
+                  <a:rPr lang="en-US" sz="1200" i="1"/>
                   <a:t> &gt; 0)</a:t>
                 </a:r>
-                <a:endParaRPr lang="en-US" sz="1200" dirty="0"/>
+                <a:endParaRPr lang="en-US" sz="1200"/>
               </a:p>
             </p:txBody>
           </p:sp>
         </mc:Choice>
-        <mc:Fallback>
+        <mc:Fallback xmlns="">
           <p:sp>
             <p:nvSpPr>
               <p:cNvPr id="63" name="TextBox 62">
@@ -12082,7 +11992,7 @@
               <a:blipFill>
                 <a:blip r:embed="rId7"/>
                 <a:stretch>
-                  <a:fillRect b="-7895"/>
+                  <a:fillRect b="-9211"/>
                 </a:stretch>
               </a:blipFill>
             </p:spPr>
@@ -12117,7 +12027,7 @@
         </p:nvCxnSpPr>
         <p:spPr>
           <a:xfrm>
-            <a:off x="5336578" y="2935863"/>
+            <a:off x="5336578" y="3166565"/>
             <a:ext cx="340811" cy="0"/>
           </a:xfrm>
           <a:prstGeom prst="straightConnector1">
@@ -12175,8 +12085,8 @@
           </a:prstGeom>
         </p:spPr>
       </p:pic>
-      <mc:AlternateContent xmlns:mc="http://schemas.openxmlformats.org/markup-compatibility/2006">
-        <mc:Choice xmlns:a14="http://schemas.microsoft.com/office/drawing/2010/main" Requires="a14">
+      <mc:AlternateContent xmlns:mc="http://schemas.openxmlformats.org/markup-compatibility/2006" xmlns:a14="http://schemas.microsoft.com/office/drawing/2010/main">
+        <mc:Choice Requires="a14">
           <p:sp>
             <p:nvSpPr>
               <p:cNvPr id="71" name="TextBox 70">
@@ -12191,7 +12101,7 @@
             </p:nvSpPr>
             <p:spPr>
               <a:xfrm>
-                <a:off x="5802431" y="2833745"/>
+                <a:off x="5834585" y="3113774"/>
                 <a:ext cx="2449574" cy="169277"/>
               </a:xfrm>
               <a:prstGeom prst="rect">
@@ -12205,6 +12115,7 @@
               </a:bodyPr>
               <a:lstStyle/>
               <a:p>
+                <a:pPr/>
                 <a14:m>
                   <m:oMathPara xmlns:m="http://schemas.openxmlformats.org/officeDocument/2006/math">
                     <m:oMathParaPr>
@@ -12343,12 +12254,12 @@
                     </m:oMath>
                   </m:oMathPara>
                 </a14:m>
-                <a:endParaRPr lang="en-US" sz="1100" dirty="0"/>
+                <a:endParaRPr lang="en-US" sz="1100"/>
               </a:p>
             </p:txBody>
           </p:sp>
         </mc:Choice>
-        <mc:Fallback>
+        <mc:Fallback xmlns="">
           <p:sp>
             <p:nvSpPr>
               <p:cNvPr id="71" name="TextBox 70">
@@ -12365,7 +12276,7 @@
             </p:nvSpPr>
             <p:spPr>
               <a:xfrm>
-                <a:off x="5802431" y="2833745"/>
+                <a:off x="5834585" y="3113774"/>
                 <a:ext cx="2449574" cy="169277"/>
               </a:xfrm>
               <a:prstGeom prst="rect">
@@ -12374,7 +12285,7 @@
               <a:blipFill>
                 <a:blip r:embed="rId9"/>
                 <a:stretch>
-                  <a:fillRect r="-8763" b="-7143"/>
+                  <a:fillRect r="-8458" b="-10714"/>
                 </a:stretch>
               </a:blipFill>
             </p:spPr>
@@ -12409,8 +12320,8 @@
         </p:nvCxnSpPr>
         <p:spPr>
           <a:xfrm>
-            <a:off x="7177375" y="3171610"/>
-            <a:ext cx="0" cy="543493"/>
+            <a:off x="7177375" y="3455758"/>
+            <a:ext cx="0" cy="259345"/>
           </a:xfrm>
           <a:prstGeom prst="straightConnector1">
             <a:avLst/>
@@ -12437,6 +12348,176 @@
           </a:fontRef>
         </p:style>
       </p:cxnSp>
+      <mc:AlternateContent xmlns:mc="http://schemas.openxmlformats.org/markup-compatibility/2006" xmlns:a14="http://schemas.microsoft.com/office/drawing/2010/main">
+        <mc:Choice Requires="a14">
+          <p:sp>
+            <p:nvSpPr>
+              <p:cNvPr id="3" name="TextBox 2">
+                <a:extLst>
+                  <a:ext uri="{FF2B5EF4-FFF2-40B4-BE49-F238E27FC236}">
+                    <a16:creationId xmlns:a16="http://schemas.microsoft.com/office/drawing/2014/main" id="{CCEE2AD1-791D-F9F7-AE4F-586F69D78E30}"/>
+                  </a:ext>
+                </a:extLst>
+              </p:cNvPr>
+              <p:cNvSpPr txBox="1"/>
+              <p:nvPr/>
+            </p:nvSpPr>
+            <p:spPr>
+              <a:xfrm>
+                <a:off x="5945418" y="2238740"/>
+                <a:ext cx="896986" cy="453970"/>
+              </a:xfrm>
+              <a:prstGeom prst="rect">
+                <a:avLst/>
+              </a:prstGeom>
+              <a:noFill/>
+              <a:ln>
+                <a:solidFill>
+                  <a:schemeClr val="tx1"/>
+                </a:solidFill>
+              </a:ln>
+            </p:spPr>
+            <p:txBody>
+              <a:bodyPr wrap="square" rtlCol="0">
+                <a:spAutoFit/>
+              </a:bodyPr>
+              <a:lstStyle/>
+              <a:p>
+                <a:pPr algn="ctr"/>
+                <a14:m>
+                  <m:oMathPara xmlns:m="http://schemas.openxmlformats.org/officeDocument/2006/math">
+                    <m:oMathParaPr>
+                      <m:jc m:val="centerGroup"/>
+                    </m:oMathParaPr>
+                    <m:oMath xmlns:m="http://schemas.openxmlformats.org/officeDocument/2006/math">
+                      <m:r>
+                        <a:rPr lang="en-US" sz="1200" i="1" smtClean="0">
+                          <a:latin typeface="Cambria Math" panose="02040503050406030204" pitchFamily="18" charset="0"/>
+                          <a:ea typeface="Cambria Math" panose="02040503050406030204" pitchFamily="18" charset="0"/>
+                        </a:rPr>
+                        <m:t>𝛼</m:t>
+                      </m:r>
+                      <m:r>
+                        <a:rPr lang="en-US" sz="1200" b="0" i="1" smtClean="0">
+                          <a:latin typeface="Cambria Math" panose="02040503050406030204" pitchFamily="18" charset="0"/>
+                          <a:ea typeface="Cambria Math" panose="02040503050406030204" pitchFamily="18" charset="0"/>
+                        </a:rPr>
+                        <m:t>=</m:t>
+                      </m:r>
+                      <m:f>
+                        <m:fPr>
+                          <m:ctrlPr>
+                            <a:rPr lang="en-US" sz="1200" b="0" i="1" smtClean="0">
+                              <a:latin typeface="Cambria Math" panose="02040503050406030204" pitchFamily="18" charset="0"/>
+                              <a:ea typeface="Cambria Math" panose="02040503050406030204" pitchFamily="18" charset="0"/>
+                            </a:rPr>
+                          </m:ctrlPr>
+                        </m:fPr>
+                        <m:num>
+                          <m:r>
+                            <a:rPr lang="en-US" sz="1200" i="1">
+                              <a:latin typeface="Cambria Math" panose="02040503050406030204" pitchFamily="18" charset="0"/>
+                              <a:ea typeface="Cambria Math" panose="02040503050406030204" pitchFamily="18" charset="0"/>
+                            </a:rPr>
+                            <m:t>1</m:t>
+                          </m:r>
+                        </m:num>
+                        <m:den>
+                          <m:sSup>
+                            <m:sSupPr>
+                              <m:ctrlPr>
+                                <a:rPr lang="en-US" sz="1200" i="1">
+                                  <a:latin typeface="Cambria Math" panose="02040503050406030204" pitchFamily="18" charset="0"/>
+                                  <a:ea typeface="Cambria Math" panose="02040503050406030204" pitchFamily="18" charset="0"/>
+                                </a:rPr>
+                              </m:ctrlPr>
+                            </m:sSupPr>
+                            <m:e>
+                              <m:r>
+                                <a:rPr lang="en-US" sz="1200" i="1">
+                                  <a:latin typeface="Cambria Math" panose="02040503050406030204" pitchFamily="18" charset="0"/>
+                                  <a:ea typeface="Cambria Math" panose="02040503050406030204" pitchFamily="18" charset="0"/>
+                                </a:rPr>
+                                <m:t>2</m:t>
+                              </m:r>
+                            </m:e>
+                            <m:sup>
+                              <m:r>
+                                <a:rPr lang="en-US" sz="1200" i="1">
+                                  <a:latin typeface="Cambria Math" panose="02040503050406030204" pitchFamily="18" charset="0"/>
+                                  <a:ea typeface="Cambria Math" panose="02040503050406030204" pitchFamily="18" charset="0"/>
+                                </a:rPr>
+                                <m:t>𝑘</m:t>
+                              </m:r>
+                              <m:r>
+                                <a:rPr lang="en-US" sz="1200" i="1">
+                                  <a:latin typeface="Cambria Math" panose="02040503050406030204" pitchFamily="18" charset="0"/>
+                                  <a:ea typeface="Cambria Math" panose="02040503050406030204" pitchFamily="18" charset="0"/>
+                                </a:rPr>
+                                <m:t>−1</m:t>
+                              </m:r>
+                            </m:sup>
+                          </m:sSup>
+                        </m:den>
+                      </m:f>
+                    </m:oMath>
+                  </m:oMathPara>
+                </a14:m>
+                <a:endParaRPr lang="en-US" sz="1200" i="1"/>
+              </a:p>
+            </p:txBody>
+          </p:sp>
+        </mc:Choice>
+        <mc:Fallback xmlns="">
+          <p:sp>
+            <p:nvSpPr>
+              <p:cNvPr id="3" name="TextBox 2">
+                <a:extLst>
+                  <a:ext uri="{FF2B5EF4-FFF2-40B4-BE49-F238E27FC236}">
+                    <a16:creationId xmlns:a16="http://schemas.microsoft.com/office/drawing/2014/main" id="{CCEE2AD1-791D-F9F7-AE4F-586F69D78E30}"/>
+                  </a:ext>
+                </a:extLst>
+              </p:cNvPr>
+              <p:cNvSpPr txBox="1">
+                <a:spLocks noRot="1" noChangeAspect="1" noMove="1" noResize="1" noEditPoints="1" noAdjustHandles="1" noChangeArrowheads="1" noChangeShapeType="1" noTextEdit="1"/>
+              </p:cNvSpPr>
+              <p:nvPr/>
+            </p:nvSpPr>
+            <p:spPr>
+              <a:xfrm>
+                <a:off x="5945418" y="2238740"/>
+                <a:ext cx="896986" cy="453970"/>
+              </a:xfrm>
+              <a:prstGeom prst="rect">
+                <a:avLst/>
+              </a:prstGeom>
+              <a:blipFill>
+                <a:blip r:embed="rId10"/>
+                <a:stretch>
+                  <a:fillRect/>
+                </a:stretch>
+              </a:blipFill>
+              <a:ln>
+                <a:solidFill>
+                  <a:schemeClr val="tx1"/>
+                </a:solidFill>
+              </a:ln>
+            </p:spPr>
+            <p:txBody>
+              <a:bodyPr/>
+              <a:lstStyle/>
+              <a:p>
+                <a:r>
+                  <a:rPr lang="en-US">
+                    <a:noFill/>
+                  </a:rPr>
+                  <a:t> </a:t>
+                </a:r>
+              </a:p>
+            </p:txBody>
+          </p:sp>
+        </mc:Fallback>
+      </mc:AlternateContent>
     </p:spTree>
     <p:extLst>
       <p:ext uri="{BB962C8B-B14F-4D97-AF65-F5344CB8AC3E}">
@@ -12494,7 +12575,7 @@
           <a:lstStyle/>
           <a:p>
             <a:r>
-              <a:rPr lang="en-US" dirty="0"/>
+              <a:rPr lang="en-US"/>
               <a:t>What if we expand this algorithm for color images?</a:t>
             </a:r>
           </a:p>
@@ -15156,12 +15237,8 @@
           <a:lstStyle/>
           <a:p>
             <a:r>
-              <a:rPr lang="en-US" dirty="0"/>
-              <a:t>Arrangement of Color</a:t>
-            </a:r>
-            <a:r>
               <a:rPr lang="en-US"/>
-              <a:t> Shares</a:t>
+              <a:t>Arrangement of Color Shares</a:t>
             </a:r>
           </a:p>
         </p:txBody>
@@ -18343,7 +18420,7 @@
           <a:lstStyle/>
           <a:p>
             <a:r>
-              <a:rPr lang="en-US" dirty="0"/>
+              <a:rPr lang="en-US"/>
               <a:t>Color Image Visual Cryptography Example</a:t>
             </a:r>
           </a:p>
@@ -18488,7 +18565,7 @@
           <a:lstStyle/>
           <a:p>
             <a:r>
-              <a:rPr lang="en-US" dirty="0"/>
+              <a:rPr lang="en-US"/>
               <a:t>Original image</a:t>
             </a:r>
           </a:p>
@@ -18542,7 +18619,7 @@
           <a:lstStyle/>
           <a:p>
             <a:pPr algn="ctr"/>
-            <a:endParaRPr lang="en-US" dirty="0">
+            <a:endParaRPr lang="en-US">
               <a:ln>
                 <a:solidFill>
                   <a:schemeClr val="accent2">
@@ -18882,7 +18959,7 @@
           <a:lstStyle/>
           <a:p>
             <a:r>
-              <a:rPr lang="en-US" dirty="0"/>
+              <a:rPr lang="en-US"/>
               <a:t>Decrypted image</a:t>
             </a:r>
           </a:p>
@@ -18995,7 +19072,7 @@
           <a:lstStyle/>
           <a:p>
             <a:r>
-              <a:rPr lang="en-US" dirty="0">
+              <a:rPr lang="en-US">
                 <a:solidFill>
                   <a:schemeClr val="bg1"/>
                 </a:solidFill>
@@ -19079,7 +19156,7 @@
           <p:cNvPr id="2" name="Title 1">
             <a:extLst>
               <a:ext uri="{FF2B5EF4-FFF2-40B4-BE49-F238E27FC236}">
-                <a16:creationId xmlns:a16="http://schemas.microsoft.com/office/drawing/2014/main" id="{4780E7E9-2D7A-DED2-A217-E0B3D22832F3}"/>
+                <a16:creationId xmlns:a16="http://schemas.microsoft.com/office/drawing/2014/main" id="{49E0EF7F-5B73-1AF7-B05A-A4BD9EDFD440}"/>
               </a:ext>
             </a:extLst>
           </p:cNvPr>
@@ -19092,348 +19169,38 @@
         </p:nvSpPr>
         <p:spPr>
           <a:xfrm>
-            <a:off x="514350" y="253999"/>
+            <a:off x="540477" y="2025650"/>
             <a:ext cx="7598569" cy="1092200"/>
           </a:xfrm>
         </p:spPr>
         <p:txBody>
-          <a:bodyPr/>
-          <a:lstStyle/>
-          <a:p>
-            <a:r>
-              <a:rPr lang="en-US"/>
-              <a:t>References</a:t>
-            </a:r>
-          </a:p>
-        </p:txBody>
-      </p:sp>
-      <p:sp>
-        <p:nvSpPr>
-          <p:cNvPr id="3" name="Content Placeholder 2">
-            <a:extLst>
-              <a:ext uri="{FF2B5EF4-FFF2-40B4-BE49-F238E27FC236}">
-                <a16:creationId xmlns:a16="http://schemas.microsoft.com/office/drawing/2014/main" id="{916FB242-C223-7CC7-E28D-D8841AAA96D7}"/>
-              </a:ext>
-            </a:extLst>
-          </p:cNvPr>
-          <p:cNvSpPr>
-            <a:spLocks noGrp="1"/>
-          </p:cNvSpPr>
-          <p:nvPr>
-            <p:ph idx="1"/>
-          </p:nvPr>
-        </p:nvSpPr>
-        <p:spPr>
-          <a:xfrm>
-            <a:off x="514351" y="1222218"/>
-            <a:ext cx="7598569" cy="3594225"/>
-          </a:xfrm>
-        </p:spPr>
-        <p:txBody>
           <a:bodyPr>
-            <a:normAutofit/>
+            <a:noAutofit/>
           </a:bodyPr>
           <a:lstStyle/>
           <a:p>
-            <a:pPr marL="0" indent="0" algn="l" rtl="0">
-              <a:spcBef>
-                <a:spcPts val="0"/>
-              </a:spcBef>
-              <a:spcAft>
-                <a:spcPts val="0"/>
-              </a:spcAft>
-              <a:buNone/>
-            </a:pPr>
+            <a:pPr algn="ctr"/>
             <a:r>
-              <a:rPr lang="en-US" sz="1000" b="0" i="0" u="none" strike="noStrike">
-                <a:effectLst/>
-                <a:latin typeface="Times New Roman" panose="02020603050405020304" pitchFamily="18" charset="0"/>
-                <a:cs typeface="Times New Roman" panose="02020603050405020304" pitchFamily="18" charset="0"/>
-              </a:rPr>
-              <a:t>[1] </a:t>
-            </a:r>
-            <a:r>
-              <a:rPr lang="en-US" sz="1000" b="0" i="0" u="sng" strike="noStrike">
-                <a:effectLst/>
-                <a:latin typeface="Times New Roman" panose="02020603050405020304" pitchFamily="18" charset="0"/>
-                <a:cs typeface="Times New Roman" panose="02020603050405020304" pitchFamily="18" charset="0"/>
-                <a:hlinkClick r:id="rId3">
-                  <a:extLst>
-                    <a:ext uri="{A12FA001-AC4F-418D-AE19-62706E023703}">
-                      <ahyp:hlinkClr xmlns:ahyp="http://schemas.microsoft.com/office/drawing/2018/hyperlinkcolor" val="tx"/>
-                    </a:ext>
-                  </a:extLst>
-                </a:hlinkClick>
-              </a:rPr>
-              <a:t>https://www.cs.jhu.edu/~fabian/courses/CS600.624/NaorShamir-VisualCryptography.pdf</a:t>
+              <a:rPr lang="en-US" sz="6600"/>
+              <a:t>Thank you!</a:t>
             </a:r>
             <a:br>
-              <a:rPr lang="en-US" sz="1000">
-                <a:latin typeface="Times New Roman" panose="02020603050405020304" pitchFamily="18" charset="0"/>
-                <a:cs typeface="Times New Roman" panose="02020603050405020304" pitchFamily="18" charset="0"/>
-              </a:rPr>
+              <a:rPr lang="en-US" sz="6600"/>
             </a:br>
-            <a:endParaRPr lang="en-US" sz="1000">
-              <a:latin typeface="Times New Roman" panose="02020603050405020304" pitchFamily="18" charset="0"/>
-              <a:cs typeface="Times New Roman" panose="02020603050405020304" pitchFamily="18" charset="0"/>
-            </a:endParaRPr>
-          </a:p>
-          <a:p>
-            <a:pPr marL="0" indent="0" algn="l" rtl="0">
-              <a:spcBef>
-                <a:spcPts val="0"/>
-              </a:spcBef>
-              <a:spcAft>
-                <a:spcPts val="0"/>
-              </a:spcAft>
-              <a:buNone/>
-            </a:pPr>
-            <a:r>
-              <a:rPr lang="en-US" sz="1000" b="0" i="0" u="none" strike="noStrike">
-                <a:effectLst/>
-                <a:latin typeface="Times New Roman" panose="02020603050405020304" pitchFamily="18" charset="0"/>
-                <a:cs typeface="Times New Roman" panose="02020603050405020304" pitchFamily="18" charset="0"/>
-              </a:rPr>
-              <a:t>[2] </a:t>
-            </a:r>
-            <a:r>
-              <a:rPr lang="en-US" sz="1000" b="0" i="0" u="sng" strike="noStrike">
-                <a:effectLst/>
-                <a:latin typeface="Times New Roman" panose="02020603050405020304" pitchFamily="18" charset="0"/>
-                <a:cs typeface="Times New Roman" panose="02020603050405020304" pitchFamily="18" charset="0"/>
-                <a:hlinkClick r:id="rId4">
-                  <a:extLst>
-                    <a:ext uri="{A12FA001-AC4F-418D-AE19-62706E023703}">
-                      <ahyp:hlinkClr xmlns:ahyp="http://schemas.microsoft.com/office/drawing/2018/hyperlinkcolor" val="tx"/>
-                    </a:ext>
-                  </a:extLst>
-                </a:hlinkClick>
-              </a:rPr>
-              <a:t>https://www.researchgate.net/publication/353374619_An_overview_of_visual_cryptography_techniques</a:t>
-            </a:r>
-            <a:endParaRPr lang="en-US" sz="1000">
-              <a:latin typeface="Times New Roman" panose="02020603050405020304" pitchFamily="18" charset="0"/>
-              <a:cs typeface="Times New Roman" panose="02020603050405020304" pitchFamily="18" charset="0"/>
-            </a:endParaRPr>
-          </a:p>
-          <a:p>
-            <a:pPr marL="0" indent="0" algn="l" rtl="0">
-              <a:spcBef>
-                <a:spcPts val="0"/>
-              </a:spcBef>
-              <a:spcAft>
-                <a:spcPts val="0"/>
-              </a:spcAft>
-              <a:buNone/>
-            </a:pPr>
-            <a:endParaRPr lang="en-US" sz="1000" b="0" i="0" u="none" strike="noStrike">
-              <a:effectLst/>
-              <a:latin typeface="Times New Roman" panose="02020603050405020304" pitchFamily="18" charset="0"/>
-              <a:cs typeface="Times New Roman" panose="02020603050405020304" pitchFamily="18" charset="0"/>
-            </a:endParaRPr>
-          </a:p>
-          <a:p>
-            <a:pPr marL="0" indent="0">
-              <a:buNone/>
-            </a:pPr>
-            <a:r>
-              <a:rPr lang="en-US" sz="1000" b="0" i="0" u="none" strike="noStrike">
-                <a:effectLst/>
-                <a:latin typeface="Times New Roman" panose="02020603050405020304" pitchFamily="18" charset="0"/>
-                <a:cs typeface="Times New Roman" panose="02020603050405020304" pitchFamily="18" charset="0"/>
-              </a:rPr>
-              <a:t>[3]</a:t>
-            </a:r>
-            <a:r>
-              <a:rPr lang="en-US" sz="1000" b="1" i="0" u="none" strike="noStrike">
-                <a:effectLst/>
-                <a:latin typeface="Times New Roman" panose="02020603050405020304" pitchFamily="18" charset="0"/>
-                <a:cs typeface="Times New Roman" panose="02020603050405020304" pitchFamily="18" charset="0"/>
-              </a:rPr>
-              <a:t> </a:t>
-            </a:r>
-            <a:r>
-              <a:rPr lang="en-US" sz="1000" b="0" i="0" u="sng" strike="noStrike">
-                <a:effectLst/>
-                <a:latin typeface="Times New Roman" panose="02020603050405020304" pitchFamily="18" charset="0"/>
-                <a:cs typeface="Times New Roman" panose="02020603050405020304" pitchFamily="18" charset="0"/>
-                <a:hlinkClick r:id="rId5">
-                  <a:extLst>
-                    <a:ext uri="{A12FA001-AC4F-418D-AE19-62706E023703}">
-                      <ahyp:hlinkClr xmlns:ahyp="http://schemas.microsoft.com/office/drawing/2018/hyperlinkcolor" val="tx"/>
-                    </a:ext>
-                  </a:extLst>
-                </a:hlinkClick>
-              </a:rPr>
-              <a:t>https://www.ciphermachinesandcryptology.com/en/visualcrypto.htm</a:t>
-            </a:r>
-            <a:endParaRPr lang="en-US" sz="1000" b="0" i="0" u="sng" strike="noStrike">
-              <a:effectLst/>
-              <a:latin typeface="Times New Roman" panose="02020603050405020304" pitchFamily="18" charset="0"/>
-              <a:cs typeface="Times New Roman" panose="02020603050405020304" pitchFamily="18" charset="0"/>
-            </a:endParaRPr>
-          </a:p>
-          <a:p>
-            <a:pPr marL="0" indent="0">
-              <a:buNone/>
-            </a:pPr>
-            <a:r>
-              <a:rPr lang="en-US" sz="1000">
-                <a:latin typeface="Times New Roman" panose="02020603050405020304" pitchFamily="18" charset="0"/>
-                <a:cs typeface="Times New Roman" panose="02020603050405020304" pitchFamily="18" charset="0"/>
-              </a:rPr>
-              <a:t>[4] </a:t>
-            </a:r>
-            <a:r>
-              <a:rPr lang="en-US" sz="1000" u="sng">
-                <a:latin typeface="Times New Roman" panose="02020603050405020304" pitchFamily="18" charset="0"/>
-                <a:cs typeface="Times New Roman" panose="02020603050405020304" pitchFamily="18" charset="0"/>
-                <a:hlinkClick r:id="rId6"/>
-              </a:rPr>
-              <a:t>https://www.sciencedirect.com/science/article/pii/S0031320302002583#SEC3</a:t>
-            </a:r>
-            <a:endParaRPr lang="en-US" sz="1000" u="sng">
-              <a:latin typeface="Times New Roman" panose="02020603050405020304" pitchFamily="18" charset="0"/>
-              <a:cs typeface="Times New Roman" panose="02020603050405020304" pitchFamily="18" charset="0"/>
-            </a:endParaRPr>
-          </a:p>
-          <a:p>
-            <a:pPr marL="0" indent="0" algn="l" rtl="0">
-              <a:spcBef>
-                <a:spcPts val="0"/>
-              </a:spcBef>
-              <a:spcAft>
-                <a:spcPts val="0"/>
-              </a:spcAft>
-              <a:buNone/>
-            </a:pPr>
-            <a:r>
-              <a:rPr lang="en-US" sz="1000">
-                <a:latin typeface="Times New Roman" panose="02020603050405020304" pitchFamily="18" charset="0"/>
-                <a:cs typeface="Times New Roman" panose="02020603050405020304" pitchFamily="18" charset="0"/>
-              </a:rPr>
-              <a:t>[5] </a:t>
-            </a:r>
-            <a:r>
-              <a:rPr lang="en-US" sz="1000" b="0" i="0" u="none" strike="noStrike">
-                <a:solidFill>
-                  <a:srgbClr val="000000"/>
-                </a:solidFill>
-                <a:effectLst/>
-                <a:latin typeface="Times New Roman" panose="02020603050405020304" pitchFamily="18" charset="0"/>
-                <a:cs typeface="Times New Roman" panose="02020603050405020304" pitchFamily="18" charset="0"/>
-              </a:rPr>
-              <a:t> </a:t>
-            </a:r>
-            <a:r>
-              <a:rPr lang="en-US" sz="1000" b="0" i="0" u="sng" strike="noStrike">
-                <a:solidFill>
-                  <a:srgbClr val="1155CC"/>
-                </a:solidFill>
-                <a:effectLst/>
-                <a:latin typeface="Times New Roman" panose="02020603050405020304" pitchFamily="18" charset="0"/>
-                <a:cs typeface="Times New Roman" panose="02020603050405020304" pitchFamily="18" charset="0"/>
-                <a:hlinkClick r:id="rId7"/>
-              </a:rPr>
-              <a:t>https://homes.esat.kuleuven.be/~fvercaut/talks/visual.pdf</a:t>
-            </a:r>
-            <a:endParaRPr lang="en-US" sz="1000" b="0" i="0" u="none" strike="noStrike">
-              <a:solidFill>
-                <a:srgbClr val="000000"/>
-              </a:solidFill>
-              <a:effectLst/>
-              <a:latin typeface="Times New Roman" panose="02020603050405020304" pitchFamily="18" charset="0"/>
-              <a:cs typeface="Times New Roman" panose="02020603050405020304" pitchFamily="18" charset="0"/>
-            </a:endParaRPr>
-          </a:p>
-          <a:p>
-            <a:pPr marL="0" indent="0">
-              <a:buNone/>
-            </a:pPr>
             <a:br>
-              <a:rPr lang="en-US" sz="1000">
-                <a:latin typeface="Times New Roman" panose="02020603050405020304" pitchFamily="18" charset="0"/>
-                <a:cs typeface="Times New Roman" panose="02020603050405020304" pitchFamily="18" charset="0"/>
-              </a:rPr>
+              <a:rPr lang="en-US" sz="6600"/>
             </a:br>
             <a:r>
-              <a:rPr lang="en-US" sz="1000">
-                <a:latin typeface="Times New Roman" panose="02020603050405020304" pitchFamily="18" charset="0"/>
-                <a:cs typeface="Times New Roman" panose="02020603050405020304" pitchFamily="18" charset="0"/>
-              </a:rPr>
-              <a:t>[6] </a:t>
+              <a:rPr lang="en-US" sz="4000"/>
+              <a:t>Questions?</a:t>
             </a:r>
-            <a:r>
-              <a:rPr lang="en-US" sz="1000" b="0" i="0" u="none" strike="noStrike">
-                <a:solidFill>
-                  <a:srgbClr val="000000"/>
-                </a:solidFill>
-                <a:effectLst/>
-                <a:latin typeface="Times New Roman" panose="02020603050405020304" pitchFamily="18" charset="0"/>
-                <a:cs typeface="Times New Roman" panose="02020603050405020304" pitchFamily="18" charset="0"/>
-                <a:hlinkClick r:id="rId8"/>
-              </a:rPr>
-              <a:t>https://fardapaper.ir/mohavaha/uploads/2018/12/Fardapaper-A-Comprehensive-Study-of-Visual-Cryptography.pdf</a:t>
-            </a:r>
-            <a:endParaRPr lang="en-US" sz="1000" b="0" i="0" u="none" strike="noStrike">
-              <a:solidFill>
-                <a:srgbClr val="000000"/>
-              </a:solidFill>
-              <a:effectLst/>
-              <a:latin typeface="Times New Roman" panose="02020603050405020304" pitchFamily="18" charset="0"/>
-              <a:cs typeface="Times New Roman" panose="02020603050405020304" pitchFamily="18" charset="0"/>
-            </a:endParaRPr>
-          </a:p>
-          <a:p>
-            <a:pPr marL="0" indent="0">
-              <a:buNone/>
-            </a:pPr>
-            <a:r>
-              <a:rPr lang="en-US" sz="1000">
-                <a:latin typeface="Times New Roman" panose="02020603050405020304" pitchFamily="18" charset="0"/>
-                <a:cs typeface="Times New Roman" panose="02020603050405020304" pitchFamily="18" charset="0"/>
-              </a:rPr>
-              <a:t>[7] </a:t>
-            </a:r>
-            <a:r>
-              <a:rPr lang="en-US" sz="1000" b="0" i="0" u="none" strike="noStrike">
-                <a:solidFill>
-                  <a:srgbClr val="000000"/>
-                </a:solidFill>
-                <a:effectLst/>
-                <a:latin typeface="Times New Roman" panose="02020603050405020304" pitchFamily="18" charset="0"/>
-                <a:cs typeface="Times New Roman" panose="02020603050405020304" pitchFamily="18" charset="0"/>
-                <a:hlinkClick r:id="rId9"/>
-              </a:rPr>
-              <a:t>https://www.101computing.net/visual-cryptography/</a:t>
-            </a:r>
-            <a:endParaRPr lang="en-US" sz="1000" b="0" i="0" u="none" strike="noStrike">
-              <a:solidFill>
-                <a:srgbClr val="000000"/>
-              </a:solidFill>
-              <a:effectLst/>
-              <a:latin typeface="Times New Roman" panose="02020603050405020304" pitchFamily="18" charset="0"/>
-              <a:cs typeface="Times New Roman" panose="02020603050405020304" pitchFamily="18" charset="0"/>
-            </a:endParaRPr>
-          </a:p>
-          <a:p>
-            <a:pPr marL="0" indent="0">
-              <a:buNone/>
-            </a:pPr>
-            <a:br>
-              <a:rPr lang="en-US" sz="1100"/>
-            </a:br>
-            <a:endParaRPr lang="en-US" sz="1000">
-              <a:latin typeface="Times New Roman" panose="02020603050405020304" pitchFamily="18" charset="0"/>
-              <a:cs typeface="Times New Roman" panose="02020603050405020304" pitchFamily="18" charset="0"/>
-            </a:endParaRPr>
           </a:p>
         </p:txBody>
       </p:sp>
     </p:spTree>
     <p:extLst>
       <p:ext uri="{BB962C8B-B14F-4D97-AF65-F5344CB8AC3E}">
-        <p14:creationId xmlns:p14="http://schemas.microsoft.com/office/powerpoint/2010/main" val="2893586291"/>
+        <p14:creationId xmlns:p14="http://schemas.microsoft.com/office/powerpoint/2010/main" val="3737932425"/>
       </p:ext>
     </p:extLst>
   </p:cSld>
@@ -19677,8 +19444,8 @@
             </a:prstGeom>
           </p:spPr>
         </p:pic>
-        <mc:AlternateContent xmlns:mc="http://schemas.openxmlformats.org/markup-compatibility/2006">
-          <mc:Choice xmlns:a14="http://schemas.microsoft.com/office/drawing/2010/main" Requires="a14">
+        <mc:AlternateContent xmlns:mc="http://schemas.openxmlformats.org/markup-compatibility/2006" xmlns:a14="http://schemas.microsoft.com/office/drawing/2010/main">
+          <mc:Choice Requires="a14">
             <p:sp>
               <p:nvSpPr>
                 <p:cNvPr id="12" name="TextBox 11">
@@ -19723,12 +19490,12 @@
                       </m:oMath>
                     </m:oMathPara>
                   </a14:m>
-                  <a:endParaRPr lang="en-US" sz="2800" dirty="0"/>
+                  <a:endParaRPr lang="en-US" sz="2800"/>
                 </a:p>
               </p:txBody>
             </p:sp>
           </mc:Choice>
-          <mc:Fallback>
+          <mc:Fallback xmlns="">
             <p:sp>
               <p:nvSpPr>
                 <p:cNvPr id="12" name="TextBox 11">
@@ -19754,7 +19521,7 @@
                 <a:blipFill>
                   <a:blip r:embed="rId7"/>
                   <a:stretch>
-                    <a:fillRect b="-2857"/>
+                    <a:fillRect/>
                   </a:stretch>
                 </a:blipFill>
               </p:spPr>
@@ -20542,7 +20309,7 @@
               <a:buNone/>
             </a:pPr>
             <a:r>
-              <a:rPr lang="en-US" sz="1400" dirty="0"/>
+              <a:rPr lang="en-US" sz="1400"/>
               <a:t>Less than k  shares</a:t>
             </a:r>
           </a:p>
@@ -20552,7 +20319,7 @@
               <a:buNone/>
             </a:pPr>
             <a:r>
-              <a:rPr lang="en-US" sz="1400" dirty="0"/>
+              <a:rPr lang="en-US" sz="1400"/>
               <a:t>overlayed</a:t>
             </a:r>
           </a:p>
@@ -20828,6 +20595,392 @@
 </p:sld>
 </file>
 
+<file path=ppt/slides/slide20.xml><?xml version="1.0" encoding="utf-8"?>
+<p:sld xmlns:a="http://schemas.openxmlformats.org/drawingml/2006/main" xmlns:r="http://schemas.openxmlformats.org/officeDocument/2006/relationships" xmlns:p="http://schemas.openxmlformats.org/presentationml/2006/main">
+  <p:cSld>
+    <p:spTree>
+      <p:nvGrpSpPr>
+        <p:cNvPr id="1" name=""/>
+        <p:cNvGrpSpPr/>
+        <p:nvPr/>
+      </p:nvGrpSpPr>
+      <p:grpSpPr>
+        <a:xfrm>
+          <a:off x="0" y="0"/>
+          <a:ext cx="0" cy="0"/>
+          <a:chOff x="0" y="0"/>
+          <a:chExt cx="0" cy="0"/>
+        </a:xfrm>
+      </p:grpSpPr>
+      <p:sp>
+        <p:nvSpPr>
+          <p:cNvPr id="2" name="Title 1">
+            <a:extLst>
+              <a:ext uri="{FF2B5EF4-FFF2-40B4-BE49-F238E27FC236}">
+                <a16:creationId xmlns:a16="http://schemas.microsoft.com/office/drawing/2014/main" id="{4780E7E9-2D7A-DED2-A217-E0B3D22832F3}"/>
+              </a:ext>
+            </a:extLst>
+          </p:cNvPr>
+          <p:cNvSpPr>
+            <a:spLocks noGrp="1"/>
+          </p:cNvSpPr>
+          <p:nvPr>
+            <p:ph type="title"/>
+          </p:nvPr>
+        </p:nvSpPr>
+        <p:spPr>
+          <a:xfrm>
+            <a:off x="514350" y="253999"/>
+            <a:ext cx="7598569" cy="1092200"/>
+          </a:xfrm>
+        </p:spPr>
+        <p:txBody>
+          <a:bodyPr/>
+          <a:lstStyle/>
+          <a:p>
+            <a:r>
+              <a:rPr lang="en-US"/>
+              <a:t>References</a:t>
+            </a:r>
+          </a:p>
+        </p:txBody>
+      </p:sp>
+      <p:sp>
+        <p:nvSpPr>
+          <p:cNvPr id="3" name="Content Placeholder 2">
+            <a:extLst>
+              <a:ext uri="{FF2B5EF4-FFF2-40B4-BE49-F238E27FC236}">
+                <a16:creationId xmlns:a16="http://schemas.microsoft.com/office/drawing/2014/main" id="{916FB242-C223-7CC7-E28D-D8841AAA96D7}"/>
+              </a:ext>
+            </a:extLst>
+          </p:cNvPr>
+          <p:cNvSpPr>
+            <a:spLocks noGrp="1"/>
+          </p:cNvSpPr>
+          <p:nvPr>
+            <p:ph idx="1"/>
+          </p:nvPr>
+        </p:nvSpPr>
+        <p:spPr>
+          <a:xfrm>
+            <a:off x="514351" y="1222218"/>
+            <a:ext cx="7598569" cy="3594225"/>
+          </a:xfrm>
+        </p:spPr>
+        <p:txBody>
+          <a:bodyPr>
+            <a:normAutofit/>
+          </a:bodyPr>
+          <a:lstStyle/>
+          <a:p>
+            <a:pPr marL="0" indent="0" algn="l" rtl="0">
+              <a:spcBef>
+                <a:spcPts val="0"/>
+              </a:spcBef>
+              <a:spcAft>
+                <a:spcPts val="0"/>
+              </a:spcAft>
+              <a:buNone/>
+            </a:pPr>
+            <a:r>
+              <a:rPr lang="en-US" sz="1000" b="0" i="0" u="none" strike="noStrike">
+                <a:effectLst/>
+                <a:latin typeface="Times New Roman" panose="02020603050405020304" pitchFamily="18" charset="0"/>
+                <a:cs typeface="Times New Roman" panose="02020603050405020304" pitchFamily="18" charset="0"/>
+              </a:rPr>
+              <a:t>[1] </a:t>
+            </a:r>
+            <a:r>
+              <a:rPr lang="en-US" sz="1000" b="0" i="0" u="sng" strike="noStrike">
+                <a:effectLst/>
+                <a:latin typeface="Times New Roman" panose="02020603050405020304" pitchFamily="18" charset="0"/>
+                <a:cs typeface="Times New Roman" panose="02020603050405020304" pitchFamily="18" charset="0"/>
+                <a:hlinkClick r:id="rId3">
+                  <a:extLst>
+                    <a:ext uri="{A12FA001-AC4F-418D-AE19-62706E023703}">
+                      <ahyp:hlinkClr xmlns:ahyp="http://schemas.microsoft.com/office/drawing/2018/hyperlinkcolor" val="tx"/>
+                    </a:ext>
+                  </a:extLst>
+                </a:hlinkClick>
+              </a:rPr>
+              <a:t>https://www.cs.jhu.edu/~fabian/courses/CS600.624/NaorShamir-VisualCryptography.pdf</a:t>
+            </a:r>
+            <a:br>
+              <a:rPr lang="en-US" sz="1000">
+                <a:latin typeface="Times New Roman" panose="02020603050405020304" pitchFamily="18" charset="0"/>
+                <a:cs typeface="Times New Roman" panose="02020603050405020304" pitchFamily="18" charset="0"/>
+              </a:rPr>
+            </a:br>
+            <a:endParaRPr lang="en-US" sz="1000">
+              <a:latin typeface="Times New Roman" panose="02020603050405020304" pitchFamily="18" charset="0"/>
+              <a:cs typeface="Times New Roman" panose="02020603050405020304" pitchFamily="18" charset="0"/>
+            </a:endParaRPr>
+          </a:p>
+          <a:p>
+            <a:pPr marL="0" indent="0" algn="l" rtl="0">
+              <a:spcBef>
+                <a:spcPts val="0"/>
+              </a:spcBef>
+              <a:spcAft>
+                <a:spcPts val="0"/>
+              </a:spcAft>
+              <a:buNone/>
+            </a:pPr>
+            <a:r>
+              <a:rPr lang="en-US" sz="1000" b="0" i="0" u="none" strike="noStrike">
+                <a:effectLst/>
+                <a:latin typeface="Times New Roman" panose="02020603050405020304" pitchFamily="18" charset="0"/>
+                <a:cs typeface="Times New Roman" panose="02020603050405020304" pitchFamily="18" charset="0"/>
+              </a:rPr>
+              <a:t>[2] </a:t>
+            </a:r>
+            <a:r>
+              <a:rPr lang="en-US" sz="1000" b="0" i="0" u="sng" strike="noStrike">
+                <a:effectLst/>
+                <a:latin typeface="Times New Roman" panose="02020603050405020304" pitchFamily="18" charset="0"/>
+                <a:cs typeface="Times New Roman" panose="02020603050405020304" pitchFamily="18" charset="0"/>
+                <a:hlinkClick r:id="rId4">
+                  <a:extLst>
+                    <a:ext uri="{A12FA001-AC4F-418D-AE19-62706E023703}">
+                      <ahyp:hlinkClr xmlns:ahyp="http://schemas.microsoft.com/office/drawing/2018/hyperlinkcolor" val="tx"/>
+                    </a:ext>
+                  </a:extLst>
+                </a:hlinkClick>
+              </a:rPr>
+              <a:t>https://www.researchgate.net/publication/353374619_An_overview_of_visual_cryptography_techniques</a:t>
+            </a:r>
+            <a:endParaRPr lang="en-US" sz="1000">
+              <a:latin typeface="Times New Roman" panose="02020603050405020304" pitchFamily="18" charset="0"/>
+              <a:cs typeface="Times New Roman" panose="02020603050405020304" pitchFamily="18" charset="0"/>
+            </a:endParaRPr>
+          </a:p>
+          <a:p>
+            <a:pPr marL="0" indent="0" algn="l" rtl="0">
+              <a:spcBef>
+                <a:spcPts val="0"/>
+              </a:spcBef>
+              <a:spcAft>
+                <a:spcPts val="0"/>
+              </a:spcAft>
+              <a:buNone/>
+            </a:pPr>
+            <a:endParaRPr lang="en-US" sz="1000" b="0" i="0" u="none" strike="noStrike">
+              <a:effectLst/>
+              <a:latin typeface="Times New Roman" panose="02020603050405020304" pitchFamily="18" charset="0"/>
+              <a:cs typeface="Times New Roman" panose="02020603050405020304" pitchFamily="18" charset="0"/>
+            </a:endParaRPr>
+          </a:p>
+          <a:p>
+            <a:pPr marL="0" indent="0">
+              <a:buNone/>
+            </a:pPr>
+            <a:r>
+              <a:rPr lang="en-US" sz="1000" b="0" i="0" u="none" strike="noStrike">
+                <a:effectLst/>
+                <a:latin typeface="Times New Roman" panose="02020603050405020304" pitchFamily="18" charset="0"/>
+                <a:cs typeface="Times New Roman" panose="02020603050405020304" pitchFamily="18" charset="0"/>
+              </a:rPr>
+              <a:t>[3]</a:t>
+            </a:r>
+            <a:r>
+              <a:rPr lang="en-US" sz="1000" b="1" i="0" u="none" strike="noStrike">
+                <a:effectLst/>
+                <a:latin typeface="Times New Roman" panose="02020603050405020304" pitchFamily="18" charset="0"/>
+                <a:cs typeface="Times New Roman" panose="02020603050405020304" pitchFamily="18" charset="0"/>
+              </a:rPr>
+              <a:t> </a:t>
+            </a:r>
+            <a:r>
+              <a:rPr lang="en-US" sz="1000" b="0" i="0" u="sng" strike="noStrike">
+                <a:effectLst/>
+                <a:latin typeface="Times New Roman" panose="02020603050405020304" pitchFamily="18" charset="0"/>
+                <a:cs typeface="Times New Roman" panose="02020603050405020304" pitchFamily="18" charset="0"/>
+                <a:hlinkClick r:id="rId5">
+                  <a:extLst>
+                    <a:ext uri="{A12FA001-AC4F-418D-AE19-62706E023703}">
+                      <ahyp:hlinkClr xmlns:ahyp="http://schemas.microsoft.com/office/drawing/2018/hyperlinkcolor" val="tx"/>
+                    </a:ext>
+                  </a:extLst>
+                </a:hlinkClick>
+              </a:rPr>
+              <a:t>https://www.ciphermachinesandcryptology.com/en/visualcrypto.htm</a:t>
+            </a:r>
+            <a:endParaRPr lang="en-US" sz="1000" b="0" i="0" u="sng" strike="noStrike">
+              <a:effectLst/>
+              <a:latin typeface="Times New Roman" panose="02020603050405020304" pitchFamily="18" charset="0"/>
+              <a:cs typeface="Times New Roman" panose="02020603050405020304" pitchFamily="18" charset="0"/>
+            </a:endParaRPr>
+          </a:p>
+          <a:p>
+            <a:pPr marL="0" indent="0">
+              <a:buNone/>
+            </a:pPr>
+            <a:r>
+              <a:rPr lang="en-US" sz="1000">
+                <a:latin typeface="Times New Roman" panose="02020603050405020304" pitchFamily="18" charset="0"/>
+                <a:cs typeface="Times New Roman" panose="02020603050405020304" pitchFamily="18" charset="0"/>
+              </a:rPr>
+              <a:t>[4] </a:t>
+            </a:r>
+            <a:r>
+              <a:rPr lang="en-US" sz="1000" u="sng">
+                <a:latin typeface="Times New Roman" panose="02020603050405020304" pitchFamily="18" charset="0"/>
+                <a:cs typeface="Times New Roman" panose="02020603050405020304" pitchFamily="18" charset="0"/>
+                <a:hlinkClick r:id="rId6"/>
+              </a:rPr>
+              <a:t>https://www.sciencedirect.com/science/article/pii/S0031320302002583#SEC3</a:t>
+            </a:r>
+            <a:endParaRPr lang="en-US" sz="1000" u="sng">
+              <a:latin typeface="Times New Roman" panose="02020603050405020304" pitchFamily="18" charset="0"/>
+              <a:cs typeface="Times New Roman" panose="02020603050405020304" pitchFamily="18" charset="0"/>
+            </a:endParaRPr>
+          </a:p>
+          <a:p>
+            <a:pPr marL="0" indent="0" algn="l" rtl="0">
+              <a:spcBef>
+                <a:spcPts val="0"/>
+              </a:spcBef>
+              <a:spcAft>
+                <a:spcPts val="0"/>
+              </a:spcAft>
+              <a:buNone/>
+            </a:pPr>
+            <a:r>
+              <a:rPr lang="en-US" sz="1000">
+                <a:latin typeface="Times New Roman" panose="02020603050405020304" pitchFamily="18" charset="0"/>
+                <a:cs typeface="Times New Roman" panose="02020603050405020304" pitchFamily="18" charset="0"/>
+              </a:rPr>
+              <a:t>[5] </a:t>
+            </a:r>
+            <a:r>
+              <a:rPr lang="en-US" sz="1000" b="0" i="0" u="none" strike="noStrike">
+                <a:solidFill>
+                  <a:srgbClr val="000000"/>
+                </a:solidFill>
+                <a:effectLst/>
+                <a:latin typeface="Times New Roman" panose="02020603050405020304" pitchFamily="18" charset="0"/>
+                <a:cs typeface="Times New Roman" panose="02020603050405020304" pitchFamily="18" charset="0"/>
+              </a:rPr>
+              <a:t> </a:t>
+            </a:r>
+            <a:r>
+              <a:rPr lang="en-US" sz="1000" b="0" i="0" u="sng" strike="noStrike">
+                <a:solidFill>
+                  <a:srgbClr val="1155CC"/>
+                </a:solidFill>
+                <a:effectLst/>
+                <a:latin typeface="Times New Roman" panose="02020603050405020304" pitchFamily="18" charset="0"/>
+                <a:cs typeface="Times New Roman" panose="02020603050405020304" pitchFamily="18" charset="0"/>
+                <a:hlinkClick r:id="rId7"/>
+              </a:rPr>
+              <a:t>https://homes.esat.kuleuven.be/~fvercaut/talks/visual.pdf</a:t>
+            </a:r>
+            <a:endParaRPr lang="en-US" sz="1000" b="0" i="0" u="none" strike="noStrike">
+              <a:solidFill>
+                <a:srgbClr val="000000"/>
+              </a:solidFill>
+              <a:effectLst/>
+              <a:latin typeface="Times New Roman" panose="02020603050405020304" pitchFamily="18" charset="0"/>
+              <a:cs typeface="Times New Roman" panose="02020603050405020304" pitchFamily="18" charset="0"/>
+            </a:endParaRPr>
+          </a:p>
+          <a:p>
+            <a:pPr marL="0" indent="0">
+              <a:buNone/>
+            </a:pPr>
+            <a:br>
+              <a:rPr lang="en-US" sz="1000">
+                <a:latin typeface="Times New Roman" panose="02020603050405020304" pitchFamily="18" charset="0"/>
+                <a:cs typeface="Times New Roman" panose="02020603050405020304" pitchFamily="18" charset="0"/>
+              </a:rPr>
+            </a:br>
+            <a:r>
+              <a:rPr lang="en-US" sz="1000">
+                <a:latin typeface="Times New Roman" panose="02020603050405020304" pitchFamily="18" charset="0"/>
+                <a:cs typeface="Times New Roman" panose="02020603050405020304" pitchFamily="18" charset="0"/>
+              </a:rPr>
+              <a:t>[6] </a:t>
+            </a:r>
+            <a:r>
+              <a:rPr lang="en-US" sz="1000" b="0" i="0" u="none" strike="noStrike">
+                <a:solidFill>
+                  <a:srgbClr val="000000"/>
+                </a:solidFill>
+                <a:effectLst/>
+                <a:latin typeface="Times New Roman" panose="02020603050405020304" pitchFamily="18" charset="0"/>
+                <a:cs typeface="Times New Roman" panose="02020603050405020304" pitchFamily="18" charset="0"/>
+                <a:hlinkClick r:id="rId8"/>
+              </a:rPr>
+              <a:t>https://fardapaper.ir/mohavaha/uploads/2018/12/Fardapaper-A-Comprehensive-Study-of-Visual-Cryptography.pdf</a:t>
+            </a:r>
+            <a:endParaRPr lang="en-US" sz="1000" b="0" i="0" u="none" strike="noStrike">
+              <a:solidFill>
+                <a:srgbClr val="000000"/>
+              </a:solidFill>
+              <a:effectLst/>
+              <a:latin typeface="Times New Roman" panose="02020603050405020304" pitchFamily="18" charset="0"/>
+              <a:cs typeface="Times New Roman" panose="02020603050405020304" pitchFamily="18" charset="0"/>
+            </a:endParaRPr>
+          </a:p>
+          <a:p>
+            <a:pPr marL="0" indent="0">
+              <a:buNone/>
+            </a:pPr>
+            <a:r>
+              <a:rPr lang="en-US" sz="1000">
+                <a:latin typeface="Times New Roman" panose="02020603050405020304" pitchFamily="18" charset="0"/>
+                <a:cs typeface="Times New Roman" panose="02020603050405020304" pitchFamily="18" charset="0"/>
+              </a:rPr>
+              <a:t>[7] </a:t>
+            </a:r>
+            <a:r>
+              <a:rPr lang="en-US" sz="1000" b="0" i="0" u="none" strike="noStrike">
+                <a:solidFill>
+                  <a:srgbClr val="000000"/>
+                </a:solidFill>
+                <a:effectLst/>
+                <a:latin typeface="Times New Roman" panose="02020603050405020304" pitchFamily="18" charset="0"/>
+                <a:cs typeface="Times New Roman" panose="02020603050405020304" pitchFamily="18" charset="0"/>
+                <a:hlinkClick r:id="rId9"/>
+              </a:rPr>
+              <a:t>https://www.101computing.net/visual-cryptography/</a:t>
+            </a:r>
+            <a:endParaRPr lang="en-US" sz="1000" b="0" i="0" u="none" strike="noStrike">
+              <a:solidFill>
+                <a:srgbClr val="000000"/>
+              </a:solidFill>
+              <a:effectLst/>
+              <a:latin typeface="Times New Roman" panose="02020603050405020304" pitchFamily="18" charset="0"/>
+              <a:cs typeface="Times New Roman" panose="02020603050405020304" pitchFamily="18" charset="0"/>
+            </a:endParaRPr>
+          </a:p>
+          <a:p>
+            <a:pPr marL="0" indent="0">
+              <a:buNone/>
+            </a:pPr>
+            <a:br>
+              <a:rPr lang="en-US" sz="1100"/>
+            </a:br>
+            <a:endParaRPr lang="en-US" sz="1000">
+              <a:latin typeface="Times New Roman" panose="02020603050405020304" pitchFamily="18" charset="0"/>
+              <a:cs typeface="Times New Roman" panose="02020603050405020304" pitchFamily="18" charset="0"/>
+            </a:endParaRPr>
+          </a:p>
+        </p:txBody>
+      </p:sp>
+    </p:spTree>
+    <p:extLst>
+      <p:ext uri="{BB962C8B-B14F-4D97-AF65-F5344CB8AC3E}">
+        <p14:creationId xmlns:p14="http://schemas.microsoft.com/office/powerpoint/2010/main" val="2893586291"/>
+      </p:ext>
+    </p:extLst>
+  </p:cSld>
+  <p:clrMapOvr>
+    <a:masterClrMapping/>
+  </p:clrMapOvr>
+</p:sld>
+</file>
+
 <file path=ppt/slides/slide3.xml><?xml version="1.0" encoding="utf-8"?>
 <p:sld xmlns:a="http://schemas.openxmlformats.org/drawingml/2006/main" xmlns:r="http://schemas.openxmlformats.org/officeDocument/2006/relationships" xmlns:p="http://schemas.openxmlformats.org/presentationml/2006/main">
   <p:cSld>
@@ -20875,10 +21028,10 @@
           <a:p>
             <a:pPr algn="ctr"/>
             <a:r>
-              <a:rPr lang="en" sz="3200" dirty="0"/>
+              <a:rPr lang="en" sz="3200"/>
               <a:t>Shamir’s Visual Cryptography Scheme</a:t>
             </a:r>
-            <a:endParaRPr lang="en-US" sz="3200" dirty="0"/>
+            <a:endParaRPr lang="en-US" sz="3200"/>
           </a:p>
         </p:txBody>
       </p:sp>
@@ -20989,10 +21142,10 @@
               <a:buNone/>
             </a:pPr>
             <a:r>
-              <a:rPr lang="en" sz="1400" dirty="0"/>
+              <a:rPr lang="en" sz="1400"/>
               <a:t>Shares are made of the same subpixel arrangement</a:t>
             </a:r>
-            <a:endParaRPr sz="1400" dirty="0"/>
+            <a:endParaRPr sz="1400"/>
           </a:p>
         </p:txBody>
       </p:sp>
@@ -21623,7 +21776,7 @@
           <a:lstStyle/>
           <a:p>
             <a:r>
-              <a:rPr lang="en-US" sz="1600" dirty="0"/>
+              <a:rPr lang="en-US" sz="1600"/>
               <a:t> White Pixel</a:t>
             </a:r>
           </a:p>
@@ -22052,8 +22205,8 @@
           </a:p>
         </p:txBody>
       </p:sp>
-      <mc:AlternateContent xmlns:mc="http://schemas.openxmlformats.org/markup-compatibility/2006">
-        <mc:Choice xmlns:a14="http://schemas.microsoft.com/office/drawing/2010/main" Requires="a14">
+      <mc:AlternateContent xmlns:mc="http://schemas.openxmlformats.org/markup-compatibility/2006" xmlns:a14="http://schemas.microsoft.com/office/drawing/2010/main">
+        <mc:Choice Requires="a14">
           <p:sp>
             <p:nvSpPr>
               <p:cNvPr id="3" name="TextBox 2">
@@ -22166,7 +22319,7 @@
             </p:txBody>
           </p:sp>
         </mc:Choice>
-        <mc:Fallback>
+        <mc:Fallback xmlns="">
           <p:sp>
             <p:nvSpPr>
               <p:cNvPr id="3" name="TextBox 2">
@@ -22192,7 +22345,7 @@
               <a:blipFill>
                 <a:blip r:embed="rId3"/>
                 <a:stretch>
-                  <a:fillRect t="-1724" b="-13793"/>
+                  <a:fillRect/>
                 </a:stretch>
               </a:blipFill>
             </p:spPr>
@@ -22211,8 +22364,8 @@
           </p:sp>
         </mc:Fallback>
       </mc:AlternateContent>
-      <mc:AlternateContent xmlns:mc="http://schemas.openxmlformats.org/markup-compatibility/2006">
-        <mc:Choice xmlns:a14="http://schemas.microsoft.com/office/drawing/2010/main" Requires="a14">
+      <mc:AlternateContent xmlns:mc="http://schemas.openxmlformats.org/markup-compatibility/2006" xmlns:a14="http://schemas.microsoft.com/office/drawing/2010/main">
+        <mc:Choice Requires="a14">
           <p:sp>
             <p:nvSpPr>
               <p:cNvPr id="4" name="TextBox 3">
@@ -22325,7 +22478,7 @@
             </p:txBody>
           </p:sp>
         </mc:Choice>
-        <mc:Fallback>
+        <mc:Fallback xmlns="">
           <p:sp>
             <p:nvSpPr>
               <p:cNvPr id="4" name="TextBox 3">
@@ -22351,7 +22504,7 @@
               <a:blipFill>
                 <a:blip r:embed="rId4"/>
                 <a:stretch>
-                  <a:fillRect t="-1724" b="-15517"/>
+                  <a:fillRect/>
                 </a:stretch>
               </a:blipFill>
             </p:spPr>
@@ -22370,8 +22523,8 @@
           </p:sp>
         </mc:Fallback>
       </mc:AlternateContent>
-      <mc:AlternateContent xmlns:mc="http://schemas.openxmlformats.org/markup-compatibility/2006">
-        <mc:Choice xmlns:a14="http://schemas.microsoft.com/office/drawing/2010/main" Requires="a14">
+      <mc:AlternateContent xmlns:mc="http://schemas.openxmlformats.org/markup-compatibility/2006" xmlns:a14="http://schemas.microsoft.com/office/drawing/2010/main">
+        <mc:Choice Requires="a14">
           <p:sp>
             <p:nvSpPr>
               <p:cNvPr id="6" name="TextBox 5">
@@ -22484,7 +22637,7 @@
             </p:txBody>
           </p:sp>
         </mc:Choice>
-        <mc:Fallback>
+        <mc:Fallback xmlns="">
           <p:sp>
             <p:nvSpPr>
               <p:cNvPr id="6" name="TextBox 5">
@@ -22510,7 +22663,7 @@
               <a:blipFill>
                 <a:blip r:embed="rId5"/>
                 <a:stretch>
-                  <a:fillRect t="-1724" b="-15517"/>
+                  <a:fillRect/>
                 </a:stretch>
               </a:blipFill>
             </p:spPr>
@@ -22589,10 +22742,10 @@
               <a:buNone/>
             </a:pPr>
             <a:r>
-              <a:rPr lang="en" dirty="0"/>
+              <a:rPr lang="en"/>
               <a:t>How Black Pixels are Handled</a:t>
             </a:r>
-            <a:endParaRPr dirty="0"/>
+            <a:endParaRPr/>
           </a:p>
         </p:txBody>
       </p:sp>
@@ -22636,10 +22789,10 @@
               <a:buNone/>
             </a:pPr>
             <a:r>
-              <a:rPr lang="en" dirty="0"/>
+              <a:rPr lang="en"/>
               <a:t>Shares are made of reciprocal subpixel arrangements</a:t>
             </a:r>
-            <a:endParaRPr dirty="0"/>
+            <a:endParaRPr/>
           </a:p>
           <a:p>
             <a:pPr marL="0" lvl="0" indent="0" algn="l" rtl="0">
@@ -22651,7 +22804,7 @@
               </a:spcAft>
               <a:buNone/>
             </a:pPr>
-            <a:endParaRPr dirty="0"/>
+            <a:endParaRPr/>
           </a:p>
         </p:txBody>
       </p:sp>
@@ -23282,7 +23435,7 @@
           <a:lstStyle/>
           <a:p>
             <a:r>
-              <a:rPr lang="en-US" sz="1600" dirty="0"/>
+              <a:rPr lang="en-US" sz="1600"/>
               <a:t>Black Pixel</a:t>
             </a:r>
           </a:p>
@@ -23705,14 +23858,14 @@
           <a:p>
             <a:pPr algn="ctr"/>
             <a:r>
-              <a:rPr lang="en-US" dirty="0"/>
+              <a:rPr lang="en-US"/>
               <a:t>Shares 1 &amp; 2 Overlayed</a:t>
             </a:r>
           </a:p>
         </p:txBody>
       </p:sp>
-      <mc:AlternateContent xmlns:mc="http://schemas.openxmlformats.org/markup-compatibility/2006">
-        <mc:Choice xmlns:a14="http://schemas.microsoft.com/office/drawing/2010/main" Requires="a14">
+      <mc:AlternateContent xmlns:mc="http://schemas.openxmlformats.org/markup-compatibility/2006" xmlns:a14="http://schemas.microsoft.com/office/drawing/2010/main">
+        <mc:Choice Requires="a14">
           <p:sp>
             <p:nvSpPr>
               <p:cNvPr id="28" name="TextBox 27">
@@ -23825,7 +23978,7 @@
             </p:txBody>
           </p:sp>
         </mc:Choice>
-        <mc:Fallback>
+        <mc:Fallback xmlns="">
           <p:sp>
             <p:nvSpPr>
               <p:cNvPr id="28" name="TextBox 27">
@@ -23851,7 +24004,7 @@
               <a:blipFill>
                 <a:blip r:embed="rId3"/>
                 <a:stretch>
-                  <a:fillRect t="-1724" b="-15517"/>
+                  <a:fillRect/>
                 </a:stretch>
               </a:blipFill>
             </p:spPr>
@@ -23870,8 +24023,8 @@
           </p:sp>
         </mc:Fallback>
       </mc:AlternateContent>
-      <mc:AlternateContent xmlns:mc="http://schemas.openxmlformats.org/markup-compatibility/2006">
-        <mc:Choice xmlns:a14="http://schemas.microsoft.com/office/drawing/2010/main" Requires="a14">
+      <mc:AlternateContent xmlns:mc="http://schemas.openxmlformats.org/markup-compatibility/2006" xmlns:a14="http://schemas.microsoft.com/office/drawing/2010/main">
+        <mc:Choice Requires="a14">
           <p:sp>
             <p:nvSpPr>
               <p:cNvPr id="29" name="TextBox 28">
@@ -23984,7 +24137,7 @@
             </p:txBody>
           </p:sp>
         </mc:Choice>
-        <mc:Fallback>
+        <mc:Fallback xmlns="">
           <p:sp>
             <p:nvSpPr>
               <p:cNvPr id="29" name="TextBox 28">
@@ -24010,7 +24163,7 @@
               <a:blipFill>
                 <a:blip r:embed="rId4"/>
                 <a:stretch>
-                  <a:fillRect t="-1754" b="-15789"/>
+                  <a:fillRect/>
                 </a:stretch>
               </a:blipFill>
             </p:spPr>
@@ -24029,8 +24182,8 @@
           </p:sp>
         </mc:Fallback>
       </mc:AlternateContent>
-      <mc:AlternateContent xmlns:mc="http://schemas.openxmlformats.org/markup-compatibility/2006">
-        <mc:Choice xmlns:a14="http://schemas.microsoft.com/office/drawing/2010/main" Requires="a14">
+      <mc:AlternateContent xmlns:mc="http://schemas.openxmlformats.org/markup-compatibility/2006" xmlns:a14="http://schemas.microsoft.com/office/drawing/2010/main">
+        <mc:Choice Requires="a14">
           <p:sp>
             <p:nvSpPr>
               <p:cNvPr id="35" name="TextBox 34">
@@ -24143,7 +24296,7 @@
             </p:txBody>
           </p:sp>
         </mc:Choice>
-        <mc:Fallback>
+        <mc:Fallback xmlns="">
           <p:sp>
             <p:nvSpPr>
               <p:cNvPr id="35" name="TextBox 34">
@@ -24169,7 +24322,7 @@
               <a:blipFill>
                 <a:blip r:embed="rId5"/>
                 <a:stretch>
-                  <a:fillRect t="-1724" b="-15517"/>
+                  <a:fillRect/>
                 </a:stretch>
               </a:blipFill>
             </p:spPr>
@@ -24248,10 +24401,10 @@
               <a:buNone/>
             </a:pPr>
             <a:r>
-              <a:rPr lang="en" dirty="0"/>
+              <a:rPr lang="en"/>
               <a:t>Pixel Expansion (Black Pixel Shares)</a:t>
             </a:r>
-            <a:endParaRPr dirty="0"/>
+            <a:endParaRPr/>
           </a:p>
         </p:txBody>
       </p:sp>
@@ -24291,18 +24444,18 @@
               <a:buChar char="●"/>
             </a:pPr>
             <a:r>
-              <a:rPr lang="en" dirty="0"/>
+              <a:rPr lang="en"/>
               <a:t>Each pixel is broken into </a:t>
             </a:r>
             <a:r>
-              <a:rPr lang="en-US" dirty="0"/>
+              <a:rPr lang="en-US"/>
               <a:t>sub-pixels,</a:t>
             </a:r>
             <a:r>
-              <a:rPr lang="en" dirty="0"/>
+              <a:rPr lang="en"/>
               <a:t> and that get encoded</a:t>
             </a:r>
-            <a:endParaRPr dirty="0"/>
+            <a:endParaRPr/>
           </a:p>
         </p:txBody>
       </p:sp>
@@ -25804,14 +25957,14 @@
           <a:p>
             <a:pPr algn="ctr"/>
             <a:r>
-              <a:rPr lang="en-US" dirty="0"/>
+              <a:rPr lang="en-US"/>
               <a:t>Diagonal</a:t>
             </a:r>
           </a:p>
           <a:p>
             <a:pPr algn="ctr"/>
             <a:r>
-              <a:rPr lang="en-US" dirty="0"/>
+              <a:rPr lang="en-US"/>
               <a:t>Shares</a:t>
             </a:r>
           </a:p>
@@ -25847,14 +26000,14 @@
           <a:p>
             <a:pPr algn="ctr"/>
             <a:r>
-              <a:rPr lang="en-US" dirty="0"/>
+              <a:rPr lang="en-US"/>
               <a:t>Horizontal</a:t>
             </a:r>
           </a:p>
           <a:p>
             <a:pPr algn="ctr"/>
             <a:r>
-              <a:rPr lang="en-US" dirty="0"/>
+              <a:rPr lang="en-US"/>
               <a:t>Shares</a:t>
             </a:r>
           </a:p>
@@ -25890,14 +26043,14 @@
           <a:p>
             <a:pPr algn="ctr"/>
             <a:r>
-              <a:rPr lang="en-US" dirty="0"/>
+              <a:rPr lang="en-US"/>
               <a:t>Vertical</a:t>
             </a:r>
           </a:p>
           <a:p>
             <a:pPr algn="ctr"/>
             <a:r>
-              <a:rPr lang="en-US" dirty="0"/>
+              <a:rPr lang="en-US"/>
               <a:t>Shares</a:t>
             </a:r>
           </a:p>
@@ -25963,10 +26116,10 @@
               <a:buNone/>
             </a:pPr>
             <a:r>
-              <a:rPr lang="en-US" dirty="0"/>
+              <a:rPr lang="en-US"/>
               <a:t>Shamir’s scheme Example (PIXEL Expansion)</a:t>
             </a:r>
-            <a:endParaRPr dirty="0"/>
+            <a:endParaRPr/>
           </a:p>
         </p:txBody>
       </p:sp>
@@ -27151,7 +27304,7 @@
           <a:p>
             <a:pPr algn="ctr"/>
             <a:r>
-              <a:rPr lang="en-US" dirty="0"/>
+              <a:rPr lang="en-US"/>
               <a:t>Share 1</a:t>
             </a:r>
           </a:p>
@@ -27187,7 +27340,7 @@
           <a:p>
             <a:pPr algn="ctr"/>
             <a:r>
-              <a:rPr lang="en-US" dirty="0"/>
+              <a:rPr lang="en-US"/>
               <a:t>Share 2</a:t>
             </a:r>
           </a:p>
@@ -27247,7 +27400,7 @@
           <a:lstStyle/>
           <a:p>
             <a:r>
-              <a:rPr lang="en-US" sz="2200" dirty="0"/>
+              <a:rPr lang="en-US" sz="2200"/>
               <a:t>General Pixel encoding MATRIX (for 2 shares)</a:t>
             </a:r>
           </a:p>
@@ -27651,7 +27804,7 @@
           <a:lstStyle/>
           <a:p>
             <a:r>
-              <a:rPr lang="en-US" sz="1200" dirty="0"/>
+              <a:rPr lang="en-US" sz="1200"/>
               <a:t>White Pixel</a:t>
             </a:r>
           </a:p>
@@ -27686,7 +27839,7 @@
           <a:lstStyle/>
           <a:p>
             <a:r>
-              <a:rPr lang="en-US" sz="1000" dirty="0"/>
+              <a:rPr lang="en-US" sz="1000"/>
               <a:t>Share 1</a:t>
             </a:r>
           </a:p>
@@ -27721,14 +27874,14 @@
           <a:lstStyle/>
           <a:p>
             <a:r>
-              <a:rPr lang="en-US" sz="1000" dirty="0"/>
+              <a:rPr lang="en-US" sz="1000"/>
               <a:t>Share 2</a:t>
             </a:r>
           </a:p>
         </p:txBody>
       </p:sp>
-      <mc:AlternateContent xmlns:mc="http://schemas.openxmlformats.org/markup-compatibility/2006">
-        <mc:Choice xmlns:a14="http://schemas.microsoft.com/office/drawing/2010/main" Requires="a14">
+      <mc:AlternateContent xmlns:mc="http://schemas.openxmlformats.org/markup-compatibility/2006" xmlns:a14="http://schemas.microsoft.com/office/drawing/2010/main">
+        <mc:Choice Requires="a14">
           <p:sp>
             <p:nvSpPr>
               <p:cNvPr id="20" name="TextBox 19">
@@ -27836,12 +27989,12 @@
                     </m:oMath>
                   </m:oMathPara>
                 </a14:m>
-                <a:endParaRPr lang="en-US" sz="1600" dirty="0"/>
+                <a:endParaRPr lang="en-US" sz="1600"/>
               </a:p>
             </p:txBody>
           </p:sp>
         </mc:Choice>
-        <mc:Fallback>
+        <mc:Fallback xmlns="">
           <p:sp>
             <p:nvSpPr>
               <p:cNvPr id="20" name="TextBox 19">
@@ -27867,7 +28020,7 @@
               <a:blipFill>
                 <a:blip r:embed="rId3"/>
                 <a:stretch>
-                  <a:fillRect t="-2941" b="-14706"/>
+                  <a:fillRect t="-1493" b="-14925"/>
                 </a:stretch>
               </a:blipFill>
             </p:spPr>
@@ -27886,8 +28039,8 @@
           </p:sp>
         </mc:Fallback>
       </mc:AlternateContent>
-      <mc:AlternateContent xmlns:mc="http://schemas.openxmlformats.org/markup-compatibility/2006">
-        <mc:Choice xmlns:a14="http://schemas.microsoft.com/office/drawing/2010/main" Requires="a14">
+      <mc:AlternateContent xmlns:mc="http://schemas.openxmlformats.org/markup-compatibility/2006" xmlns:a14="http://schemas.microsoft.com/office/drawing/2010/main">
+        <mc:Choice Requires="a14">
           <p:sp>
             <p:nvSpPr>
               <p:cNvPr id="27" name="TextBox 26">
@@ -27995,12 +28148,12 @@
                     </m:oMath>
                   </m:oMathPara>
                 </a14:m>
-                <a:endParaRPr lang="en-US" sz="1600" dirty="0"/>
+                <a:endParaRPr lang="en-US" sz="1600"/>
               </a:p>
             </p:txBody>
           </p:sp>
         </mc:Choice>
-        <mc:Fallback>
+        <mc:Fallback xmlns="">
           <p:sp>
             <p:nvSpPr>
               <p:cNvPr id="27" name="TextBox 26">
@@ -28024,9 +28177,9 @@
                 <a:avLst/>
               </a:prstGeom>
               <a:blipFill>
-                <a:blip r:embed="rId4"/>
+                <a:blip r:embed="rId3"/>
                 <a:stretch>
-                  <a:fillRect t="-3030" b="-18182"/>
+                  <a:fillRect t="-1493" b="-14925"/>
                 </a:stretch>
               </a:blipFill>
             </p:spPr>
@@ -28362,8 +28515,8 @@
           </p:txBody>
         </p:sp>
       </p:grpSp>
-      <mc:AlternateContent xmlns:mc="http://schemas.openxmlformats.org/markup-compatibility/2006">
-        <mc:Choice xmlns:a14="http://schemas.microsoft.com/office/drawing/2010/main" Requires="a14">
+      <mc:AlternateContent xmlns:mc="http://schemas.openxmlformats.org/markup-compatibility/2006" xmlns:a14="http://schemas.microsoft.com/office/drawing/2010/main">
+        <mc:Choice Requires="a14">
           <p:sp>
             <p:nvSpPr>
               <p:cNvPr id="43" name="TextBox 42">
@@ -28392,6 +28545,7 @@
               </a:bodyPr>
               <a:lstStyle/>
               <a:p>
+                <a:pPr/>
                 <a14:m>
                   <m:oMathPara xmlns:m="http://schemas.openxmlformats.org/officeDocument/2006/math">
                     <m:oMathParaPr>
@@ -28468,12 +28622,12 @@
                     </m:oMath>
                   </m:oMathPara>
                 </a14:m>
-                <a:endParaRPr lang="en-US" sz="1200" dirty="0"/>
+                <a:endParaRPr lang="en-US" sz="1200"/>
               </a:p>
             </p:txBody>
           </p:sp>
         </mc:Choice>
-        <mc:Fallback>
+        <mc:Fallback xmlns="">
           <p:sp>
             <p:nvSpPr>
               <p:cNvPr id="43" name="TextBox 42">
@@ -28497,9 +28651,9 @@
                 <a:avLst/>
               </a:prstGeom>
               <a:blipFill>
-                <a:blip r:embed="rId5"/>
+                <a:blip r:embed="rId4"/>
                 <a:stretch>
-                  <a:fillRect b="-20000"/>
+                  <a:fillRect b="-10000"/>
                 </a:stretch>
               </a:blipFill>
             </p:spPr>
@@ -28518,8 +28672,8 @@
           </p:sp>
         </mc:Fallback>
       </mc:AlternateContent>
-      <mc:AlternateContent xmlns:mc="http://schemas.openxmlformats.org/markup-compatibility/2006">
-        <mc:Choice xmlns:a14="http://schemas.microsoft.com/office/drawing/2010/main" Requires="a14">
+      <mc:AlternateContent xmlns:mc="http://schemas.openxmlformats.org/markup-compatibility/2006" xmlns:a14="http://schemas.microsoft.com/office/drawing/2010/main">
+        <mc:Choice Requires="a14">
           <p:sp>
             <p:nvSpPr>
               <p:cNvPr id="44" name="TextBox 43">
@@ -28548,6 +28702,7 @@
               </a:bodyPr>
               <a:lstStyle/>
               <a:p>
+                <a:pPr/>
                 <a14:m>
                   <m:oMathPara xmlns:m="http://schemas.openxmlformats.org/officeDocument/2006/math">
                     <m:oMathParaPr>
@@ -28624,12 +28779,12 @@
                     </m:oMath>
                   </m:oMathPara>
                 </a14:m>
-                <a:endParaRPr lang="en-US" sz="1200" dirty="0"/>
+                <a:endParaRPr lang="en-US" sz="1200"/>
               </a:p>
             </p:txBody>
           </p:sp>
         </mc:Choice>
-        <mc:Fallback>
+        <mc:Fallback xmlns="">
           <p:sp>
             <p:nvSpPr>
               <p:cNvPr id="44" name="TextBox 43">
@@ -28653,9 +28808,9 @@
                 <a:avLst/>
               </a:prstGeom>
               <a:blipFill>
-                <a:blip r:embed="rId6"/>
+                <a:blip r:embed="rId5"/>
                 <a:stretch>
-                  <a:fillRect b="-18750"/>
+                  <a:fillRect b="-10000"/>
                 </a:stretch>
               </a:blipFill>
             </p:spPr>
@@ -28762,8 +28917,8 @@
           </a:fontRef>
         </p:style>
       </p:cxnSp>
-      <mc:AlternateContent xmlns:mc="http://schemas.openxmlformats.org/markup-compatibility/2006">
-        <mc:Choice xmlns:a14="http://schemas.microsoft.com/office/drawing/2010/main" Requires="a14">
+      <mc:AlternateContent xmlns:mc="http://schemas.openxmlformats.org/markup-compatibility/2006" xmlns:a14="http://schemas.microsoft.com/office/drawing/2010/main">
+        <mc:Choice Requires="a14">
           <p:sp>
             <p:nvSpPr>
               <p:cNvPr id="47" name="TextBox 46">
@@ -28792,6 +28947,7 @@
               </a:bodyPr>
               <a:lstStyle/>
               <a:p>
+                <a:pPr/>
                 <a14:m>
                   <m:oMathPara xmlns:m="http://schemas.openxmlformats.org/officeDocument/2006/math">
                     <m:oMathParaPr>
@@ -28908,7 +29064,7 @@
                     </m:oMath>
                   </m:oMathPara>
                 </a14:m>
-                <a:endParaRPr lang="en-US" sz="1400" b="0" i="1" dirty="0">
+                <a:endParaRPr lang="en-US" sz="1400" b="0" i="1">
                   <a:latin typeface="Times New Roman" panose="02020603050405020304" pitchFamily="18" charset="0"/>
                   <a:cs typeface="Times New Roman" panose="02020603050405020304" pitchFamily="18" charset="0"/>
                 </a:endParaRPr>
@@ -28916,7 +29072,7 @@
             </p:txBody>
           </p:sp>
         </mc:Choice>
-        <mc:Fallback>
+        <mc:Fallback xmlns="">
           <p:sp>
             <p:nvSpPr>
               <p:cNvPr id="47" name="TextBox 46">
@@ -28940,9 +29096,9 @@
                 <a:avLst/>
               </a:prstGeom>
               <a:blipFill>
-                <a:blip r:embed="rId7"/>
+                <a:blip r:embed="rId6"/>
                 <a:stretch>
-                  <a:fillRect t="-6897" r="-5435" b="-13793"/>
+                  <a:fillRect b="-15254"/>
                 </a:stretch>
               </a:blipFill>
             </p:spPr>
@@ -28990,15 +29146,15 @@
           <a:lstStyle/>
           <a:p>
             <a:r>
-              <a:rPr lang="en-US" sz="1200" i="1" dirty="0"/>
+              <a:rPr lang="en-US" sz="1200" i="1"/>
               <a:t>C</a:t>
             </a:r>
             <a:r>
-              <a:rPr lang="en-US" sz="1200" i="1" baseline="-25000" dirty="0"/>
+              <a:rPr lang="en-US" sz="1200" i="1" baseline="-25000"/>
               <a:t>0 </a:t>
             </a:r>
             <a:r>
-              <a:rPr lang="en-US" sz="1200" dirty="0"/>
+              <a:rPr lang="en-US" sz="1200"/>
               <a:t> = all the matrices obtained by permuting the columns of this matrix </a:t>
             </a:r>
           </a:p>
@@ -29366,7 +29522,7 @@
           <a:lstStyle/>
           <a:p>
             <a:r>
-              <a:rPr lang="en-US" sz="1200" dirty="0"/>
+              <a:rPr lang="en-US" sz="1200"/>
               <a:t>Black Pixel</a:t>
             </a:r>
           </a:p>
@@ -29401,7 +29557,7 @@
           <a:lstStyle/>
           <a:p>
             <a:r>
-              <a:rPr lang="en-US" sz="1000" dirty="0"/>
+              <a:rPr lang="en-US" sz="1000"/>
               <a:t>Share 1</a:t>
             </a:r>
           </a:p>
@@ -29524,14 +29680,14 @@
           <a:lstStyle/>
           <a:p>
             <a:r>
-              <a:rPr lang="en-US" sz="1000" dirty="0"/>
+              <a:rPr lang="en-US" sz="1000"/>
               <a:t>Share 2</a:t>
             </a:r>
           </a:p>
         </p:txBody>
       </p:sp>
-      <mc:AlternateContent xmlns:mc="http://schemas.openxmlformats.org/markup-compatibility/2006">
-        <mc:Choice xmlns:a14="http://schemas.microsoft.com/office/drawing/2010/main" Requires="a14">
+      <mc:AlternateContent xmlns:mc="http://schemas.openxmlformats.org/markup-compatibility/2006" xmlns:a14="http://schemas.microsoft.com/office/drawing/2010/main">
+        <mc:Choice Requires="a14">
           <p:sp>
             <p:nvSpPr>
               <p:cNvPr id="73" name="TextBox 72">
@@ -29639,12 +29795,12 @@
                     </m:oMath>
                   </m:oMathPara>
                 </a14:m>
-                <a:endParaRPr lang="en-US" sz="1600" dirty="0"/>
+                <a:endParaRPr lang="en-US" sz="1600"/>
               </a:p>
             </p:txBody>
           </p:sp>
         </mc:Choice>
-        <mc:Fallback>
+        <mc:Fallback xmlns="">
           <p:sp>
             <p:nvSpPr>
               <p:cNvPr id="73" name="TextBox 72">
@@ -29668,9 +29824,9 @@
                 <a:avLst/>
               </a:prstGeom>
               <a:blipFill>
-                <a:blip r:embed="rId8"/>
+                <a:blip r:embed="rId7"/>
                 <a:stretch>
-                  <a:fillRect b="-18182"/>
+                  <a:fillRect t="-1493" b="-16418"/>
                 </a:stretch>
               </a:blipFill>
             </p:spPr>
@@ -29689,8 +29845,8 @@
           </p:sp>
         </mc:Fallback>
       </mc:AlternateContent>
-      <mc:AlternateContent xmlns:mc="http://schemas.openxmlformats.org/markup-compatibility/2006">
-        <mc:Choice xmlns:a14="http://schemas.microsoft.com/office/drawing/2010/main" Requires="a14">
+      <mc:AlternateContent xmlns:mc="http://schemas.openxmlformats.org/markup-compatibility/2006" xmlns:a14="http://schemas.microsoft.com/office/drawing/2010/main">
+        <mc:Choice Requires="a14">
           <p:sp>
             <p:nvSpPr>
               <p:cNvPr id="74" name="TextBox 73">
@@ -29798,12 +29954,12 @@
                     </m:oMath>
                   </m:oMathPara>
                 </a14:m>
-                <a:endParaRPr lang="en-US" sz="1600" dirty="0"/>
+                <a:endParaRPr lang="en-US" sz="1600"/>
               </a:p>
             </p:txBody>
           </p:sp>
         </mc:Choice>
-        <mc:Fallback>
+        <mc:Fallback xmlns="">
           <p:sp>
             <p:nvSpPr>
               <p:cNvPr id="74" name="TextBox 73">
@@ -29827,9 +29983,9 @@
                 <a:avLst/>
               </a:prstGeom>
               <a:blipFill>
-                <a:blip r:embed="rId9"/>
+                <a:blip r:embed="rId8"/>
                 <a:stretch>
-                  <a:fillRect t="-3030" b="-18182"/>
+                  <a:fillRect t="-1493" b="-14925"/>
                 </a:stretch>
               </a:blipFill>
             </p:spPr>
@@ -30394,8 +30550,8 @@
           </p:txBody>
         </p:sp>
       </p:grpSp>
-      <mc:AlternateContent xmlns:mc="http://schemas.openxmlformats.org/markup-compatibility/2006">
-        <mc:Choice xmlns:a14="http://schemas.microsoft.com/office/drawing/2010/main" Requires="a14">
+      <mc:AlternateContent xmlns:mc="http://schemas.openxmlformats.org/markup-compatibility/2006" xmlns:a14="http://schemas.microsoft.com/office/drawing/2010/main">
+        <mc:Choice Requires="a14">
           <p:sp>
             <p:nvSpPr>
               <p:cNvPr id="92" name="TextBox 91">
@@ -30424,6 +30580,7 @@
               </a:bodyPr>
               <a:lstStyle/>
               <a:p>
+                <a:pPr/>
                 <a14:m>
                   <m:oMathPara xmlns:m="http://schemas.openxmlformats.org/officeDocument/2006/math">
                     <m:oMathParaPr>
@@ -30500,12 +30657,12 @@
                     </m:oMath>
                   </m:oMathPara>
                 </a14:m>
-                <a:endParaRPr lang="en-US" sz="1200" dirty="0"/>
+                <a:endParaRPr lang="en-US" sz="1200"/>
               </a:p>
             </p:txBody>
           </p:sp>
         </mc:Choice>
-        <mc:Fallback>
+        <mc:Fallback xmlns="">
           <p:sp>
             <p:nvSpPr>
               <p:cNvPr id="92" name="TextBox 91">
@@ -30529,9 +30686,9 @@
                 <a:avLst/>
               </a:prstGeom>
               <a:blipFill>
-                <a:blip r:embed="rId10"/>
+                <a:blip r:embed="rId9"/>
                 <a:stretch>
-                  <a:fillRect b="-18750"/>
+                  <a:fillRect b="-6452"/>
                 </a:stretch>
               </a:blipFill>
             </p:spPr>
@@ -30550,8 +30707,8 @@
           </p:sp>
         </mc:Fallback>
       </mc:AlternateContent>
-      <mc:AlternateContent xmlns:mc="http://schemas.openxmlformats.org/markup-compatibility/2006">
-        <mc:Choice xmlns:a14="http://schemas.microsoft.com/office/drawing/2010/main" Requires="a14">
+      <mc:AlternateContent xmlns:mc="http://schemas.openxmlformats.org/markup-compatibility/2006" xmlns:a14="http://schemas.microsoft.com/office/drawing/2010/main">
+        <mc:Choice Requires="a14">
           <p:sp>
             <p:nvSpPr>
               <p:cNvPr id="93" name="TextBox 92">
@@ -30580,6 +30737,7 @@
               </a:bodyPr>
               <a:lstStyle/>
               <a:p>
+                <a:pPr/>
                 <a14:m>
                   <m:oMathPara xmlns:m="http://schemas.openxmlformats.org/officeDocument/2006/math">
                     <m:oMathParaPr>
@@ -30656,12 +30814,12 @@
                     </m:oMath>
                   </m:oMathPara>
                 </a14:m>
-                <a:endParaRPr lang="en-US" sz="1200" dirty="0"/>
+                <a:endParaRPr lang="en-US" sz="1200"/>
               </a:p>
             </p:txBody>
           </p:sp>
         </mc:Choice>
-        <mc:Fallback>
+        <mc:Fallback xmlns="">
           <p:sp>
             <p:nvSpPr>
               <p:cNvPr id="93" name="TextBox 92">
@@ -30685,9 +30843,9 @@
                 <a:avLst/>
               </a:prstGeom>
               <a:blipFill>
-                <a:blip r:embed="rId11"/>
+                <a:blip r:embed="rId10"/>
                 <a:stretch>
-                  <a:fillRect b="-12500"/>
+                  <a:fillRect b="-6452"/>
                 </a:stretch>
               </a:blipFill>
             </p:spPr>
@@ -30794,8 +30952,8 @@
           </a:fontRef>
         </p:style>
       </p:cxnSp>
-      <mc:AlternateContent xmlns:mc="http://schemas.openxmlformats.org/markup-compatibility/2006">
-        <mc:Choice xmlns:a14="http://schemas.microsoft.com/office/drawing/2010/main" Requires="a14">
+      <mc:AlternateContent xmlns:mc="http://schemas.openxmlformats.org/markup-compatibility/2006" xmlns:a14="http://schemas.microsoft.com/office/drawing/2010/main">
+        <mc:Choice Requires="a14">
           <p:sp>
             <p:nvSpPr>
               <p:cNvPr id="96" name="TextBox 95">
@@ -30824,6 +30982,7 @@
               </a:bodyPr>
               <a:lstStyle/>
               <a:p>
+                <a:pPr/>
                 <a14:m>
                   <m:oMathPara xmlns:m="http://schemas.openxmlformats.org/officeDocument/2006/math">
                     <m:oMathParaPr>
@@ -30940,7 +31099,7 @@
                     </m:oMath>
                   </m:oMathPara>
                 </a14:m>
-                <a:endParaRPr lang="en-US" sz="1400" b="0" i="1" dirty="0">
+                <a:endParaRPr lang="en-US" sz="1400" b="0" i="1">
                   <a:latin typeface="Times New Roman" panose="02020603050405020304" pitchFamily="18" charset="0"/>
                   <a:cs typeface="Times New Roman" panose="02020603050405020304" pitchFamily="18" charset="0"/>
                 </a:endParaRPr>
@@ -30948,7 +31107,7 @@
             </p:txBody>
           </p:sp>
         </mc:Choice>
-        <mc:Fallback>
+        <mc:Fallback xmlns="">
           <p:sp>
             <p:nvSpPr>
               <p:cNvPr id="96" name="TextBox 95">
@@ -30972,9 +31131,9 @@
                 <a:avLst/>
               </a:prstGeom>
               <a:blipFill>
-                <a:blip r:embed="rId12"/>
+                <a:blip r:embed="rId11"/>
                 <a:stretch>
-                  <a:fillRect t="-3448" r="-5495" b="-13793"/>
+                  <a:fillRect b="-15254"/>
                 </a:stretch>
               </a:blipFill>
             </p:spPr>
@@ -31022,15 +31181,15 @@
           <a:lstStyle/>
           <a:p>
             <a:r>
-              <a:rPr lang="en-US" sz="1200" i="1" dirty="0"/>
+              <a:rPr lang="en-US" sz="1200" i="1"/>
               <a:t>C</a:t>
             </a:r>
             <a:r>
-              <a:rPr lang="en-US" sz="1200" i="1" baseline="-25000" dirty="0"/>
+              <a:rPr lang="en-US" sz="1200" i="1" baseline="-25000"/>
               <a:t>1 </a:t>
             </a:r>
             <a:r>
-              <a:rPr lang="en-US" sz="1200" dirty="0"/>
+              <a:rPr lang="en-US" sz="1200"/>
               <a:t> = all the matrices obtained by permuting the columns of this matrix </a:t>
             </a:r>
           </a:p>
@@ -31208,7 +31367,7 @@
             <a:lstStyle/>
             <a:p>
               <a:pPr algn="ctr"/>
-              <a:endParaRPr lang="en-US" dirty="0"/>
+              <a:endParaRPr lang="en-US"/>
             </a:p>
           </p:txBody>
         </p:sp>
@@ -31834,7 +31993,7 @@
           <a:lstStyle/>
           <a:p>
             <a:r>
-              <a:rPr lang="en-US" dirty="0"/>
+              <a:rPr lang="en-US"/>
               <a:t>k out of n scheme – Decoding Shares</a:t>
             </a:r>
           </a:p>
@@ -31900,8 +32059,8 @@
           </a:prstGeom>
         </p:spPr>
       </p:pic>
-      <mc:AlternateContent xmlns:mc="http://schemas.openxmlformats.org/markup-compatibility/2006">
-        <mc:Choice xmlns:a14="http://schemas.microsoft.com/office/drawing/2010/main" Requires="a14">
+      <mc:AlternateContent xmlns:mc="http://schemas.openxmlformats.org/markup-compatibility/2006" xmlns:a14="http://schemas.microsoft.com/office/drawing/2010/main">
+        <mc:Choice Requires="a14">
           <p:sp>
             <p:nvSpPr>
               <p:cNvPr id="10" name="TextBox 9">
@@ -31946,12 +32105,12 @@
                     </m:oMath>
                   </m:oMathPara>
                 </a14:m>
-                <a:endParaRPr lang="en-US" sz="2800" dirty="0"/>
+                <a:endParaRPr lang="en-US" sz="2800"/>
               </a:p>
             </p:txBody>
           </p:sp>
         </mc:Choice>
-        <mc:Fallback>
+        <mc:Fallback xmlns="">
           <p:sp>
             <p:nvSpPr>
               <p:cNvPr id="10" name="TextBox 9">
@@ -31977,7 +32136,7 @@
               <a:blipFill>
                 <a:blip r:embed="rId5"/>
                 <a:stretch>
-                  <a:fillRect b="-5882"/>
+                  <a:fillRect/>
                 </a:stretch>
               </a:blipFill>
             </p:spPr>
@@ -32456,8 +32615,8 @@
           </a:prstGeom>
         </p:spPr>
       </p:pic>
-      <mc:AlternateContent xmlns:mc="http://schemas.openxmlformats.org/markup-compatibility/2006">
-        <mc:Choice xmlns:a14="http://schemas.microsoft.com/office/drawing/2010/main" Requires="a14">
+      <mc:AlternateContent xmlns:mc="http://schemas.openxmlformats.org/markup-compatibility/2006" xmlns:a14="http://schemas.microsoft.com/office/drawing/2010/main">
+        <mc:Choice Requires="a14">
           <p:sp>
             <p:nvSpPr>
               <p:cNvPr id="28" name="TextBox 27">
@@ -32486,6 +32645,7 @@
               </a:bodyPr>
               <a:lstStyle/>
               <a:p>
+                <a:pPr/>
                 <a14:m>
                   <m:oMathPara xmlns:m="http://schemas.openxmlformats.org/officeDocument/2006/math">
                     <m:oMathParaPr>
@@ -32642,12 +32802,12 @@
                     </m:oMath>
                   </m:oMathPara>
                 </a14:m>
-                <a:endParaRPr lang="en-US" sz="1100" dirty="0"/>
+                <a:endParaRPr lang="en-US" sz="1100"/>
               </a:p>
             </p:txBody>
           </p:sp>
         </mc:Choice>
-        <mc:Fallback>
+        <mc:Fallback xmlns="">
           <p:sp>
             <p:nvSpPr>
               <p:cNvPr id="28" name="TextBox 27">
@@ -32673,7 +32833,7 @@
               <a:blipFill>
                 <a:blip r:embed="rId8"/>
                 <a:stretch>
-                  <a:fillRect b="-14286"/>
+                  <a:fillRect b="-10714"/>
                 </a:stretch>
               </a:blipFill>
             </p:spPr>
@@ -32692,8 +32852,8 @@
           </p:sp>
         </mc:Fallback>
       </mc:AlternateContent>
-      <mc:AlternateContent xmlns:mc="http://schemas.openxmlformats.org/markup-compatibility/2006">
-        <mc:Choice xmlns:a14="http://schemas.microsoft.com/office/drawing/2010/main" Requires="a14">
+      <mc:AlternateContent xmlns:mc="http://schemas.openxmlformats.org/markup-compatibility/2006" xmlns:a14="http://schemas.microsoft.com/office/drawing/2010/main">
+        <mc:Choice Requires="a14">
           <p:sp>
             <p:nvSpPr>
               <p:cNvPr id="29" name="TextBox 28">
@@ -32722,6 +32882,7 @@
               </a:bodyPr>
               <a:lstStyle/>
               <a:p>
+                <a:pPr/>
                 <a14:m>
                   <m:oMathPara xmlns:m="http://schemas.openxmlformats.org/officeDocument/2006/math">
                     <m:oMathParaPr>
@@ -32878,12 +33039,12 @@
                     </m:oMath>
                   </m:oMathPara>
                 </a14:m>
-                <a:endParaRPr lang="en-US" sz="1100" dirty="0"/>
+                <a:endParaRPr lang="en-US" sz="1100"/>
               </a:p>
             </p:txBody>
           </p:sp>
         </mc:Choice>
-        <mc:Fallback>
+        <mc:Fallback xmlns="">
           <p:sp>
             <p:nvSpPr>
               <p:cNvPr id="29" name="TextBox 28">
@@ -32909,7 +33070,7 @@
               <a:blipFill>
                 <a:blip r:embed="rId9"/>
                 <a:stretch>
-                  <a:fillRect b="-14286"/>
+                  <a:fillRect b="-10714"/>
                 </a:stretch>
               </a:blipFill>
             </p:spPr>
@@ -32928,8 +33089,8 @@
           </p:sp>
         </mc:Fallback>
       </mc:AlternateContent>
-      <mc:AlternateContent xmlns:mc="http://schemas.openxmlformats.org/markup-compatibility/2006">
-        <mc:Choice xmlns:a14="http://schemas.microsoft.com/office/drawing/2010/main" Requires="a14">
+      <mc:AlternateContent xmlns:mc="http://schemas.openxmlformats.org/markup-compatibility/2006" xmlns:a14="http://schemas.microsoft.com/office/drawing/2010/main">
+        <mc:Choice Requires="a14">
           <p:sp>
             <p:nvSpPr>
               <p:cNvPr id="30" name="TextBox 29">
@@ -32958,6 +33119,7 @@
               </a:bodyPr>
               <a:lstStyle/>
               <a:p>
+                <a:pPr/>
                 <a14:m>
                   <m:oMathPara xmlns:m="http://schemas.openxmlformats.org/officeDocument/2006/math">
                     <m:oMathParaPr>
@@ -33114,12 +33276,12 @@
                     </m:oMath>
                   </m:oMathPara>
                 </a14:m>
-                <a:endParaRPr lang="en-US" sz="1100" dirty="0"/>
+                <a:endParaRPr lang="en-US" sz="1100"/>
               </a:p>
             </p:txBody>
           </p:sp>
         </mc:Choice>
-        <mc:Fallback>
+        <mc:Fallback xmlns="">
           <p:sp>
             <p:nvSpPr>
               <p:cNvPr id="30" name="TextBox 29">
@@ -33145,7 +33307,7 @@
               <a:blipFill>
                 <a:blip r:embed="rId10"/>
                 <a:stretch>
-                  <a:fillRect b="-14286"/>
+                  <a:fillRect b="-14815"/>
                 </a:stretch>
               </a:blipFill>
             </p:spPr>
@@ -33164,8 +33326,8 @@
           </p:sp>
         </mc:Fallback>
       </mc:AlternateContent>
-      <mc:AlternateContent xmlns:mc="http://schemas.openxmlformats.org/markup-compatibility/2006">
-        <mc:Choice xmlns:a14="http://schemas.microsoft.com/office/drawing/2010/main" Requires="a14">
+      <mc:AlternateContent xmlns:mc="http://schemas.openxmlformats.org/markup-compatibility/2006" xmlns:a14="http://schemas.microsoft.com/office/drawing/2010/main">
+        <mc:Choice Requires="a14">
           <p:sp>
             <p:nvSpPr>
               <p:cNvPr id="31" name="TextBox 30">
@@ -33194,6 +33356,7 @@
               </a:bodyPr>
               <a:lstStyle/>
               <a:p>
+                <a:pPr/>
                 <a14:m>
                   <m:oMathPara xmlns:m="http://schemas.openxmlformats.org/officeDocument/2006/math">
                     <m:oMathParaPr>
@@ -33350,12 +33513,12 @@
                     </m:oMath>
                   </m:oMathPara>
                 </a14:m>
-                <a:endParaRPr lang="en-US" sz="1100" dirty="0"/>
+                <a:endParaRPr lang="en-US" sz="1100"/>
               </a:p>
             </p:txBody>
           </p:sp>
         </mc:Choice>
-        <mc:Fallback>
+        <mc:Fallback xmlns="">
           <p:sp>
             <p:nvSpPr>
               <p:cNvPr id="31" name="TextBox 30">
@@ -33381,7 +33544,7 @@
               <a:blipFill>
                 <a:blip r:embed="rId11"/>
                 <a:stretch>
-                  <a:fillRect b="-21429"/>
+                  <a:fillRect b="-10714"/>
                 </a:stretch>
               </a:blipFill>
             </p:spPr>
@@ -33400,8 +33563,8 @@
           </p:sp>
         </mc:Fallback>
       </mc:AlternateContent>
-      <mc:AlternateContent xmlns:mc="http://schemas.openxmlformats.org/markup-compatibility/2006">
-        <mc:Choice xmlns:a14="http://schemas.microsoft.com/office/drawing/2010/main" Requires="a14">
+      <mc:AlternateContent xmlns:mc="http://schemas.openxmlformats.org/markup-compatibility/2006" xmlns:a14="http://schemas.microsoft.com/office/drawing/2010/main">
+        <mc:Choice Requires="a14">
           <p:sp>
             <p:nvSpPr>
               <p:cNvPr id="32" name="TextBox 31">
@@ -33430,6 +33593,7 @@
               </a:bodyPr>
               <a:lstStyle/>
               <a:p>
+                <a:pPr/>
                 <a14:m>
                   <m:oMathPara xmlns:m="http://schemas.openxmlformats.org/officeDocument/2006/math">
                     <m:oMathParaPr>
@@ -33586,12 +33750,12 @@
                     </m:oMath>
                   </m:oMathPara>
                 </a14:m>
-                <a:endParaRPr lang="en-US" sz="1100" dirty="0"/>
+                <a:endParaRPr lang="en-US" sz="1100"/>
               </a:p>
             </p:txBody>
           </p:sp>
         </mc:Choice>
-        <mc:Fallback>
+        <mc:Fallback xmlns="">
           <p:sp>
             <p:nvSpPr>
               <p:cNvPr id="32" name="TextBox 31">
@@ -33617,7 +33781,7 @@
               <a:blipFill>
                 <a:blip r:embed="rId12"/>
                 <a:stretch>
-                  <a:fillRect b="-21429"/>
+                  <a:fillRect b="-10714"/>
                 </a:stretch>
               </a:blipFill>
             </p:spPr>
@@ -33763,14 +33927,14 @@
           <a:lstStyle/>
           <a:p>
             <a:r>
-              <a:rPr lang="en-US" sz="1200" i="1" dirty="0"/>
+              <a:rPr lang="en-US" sz="1200" i="1"/>
               <a:t>n </a:t>
             </a:r>
             <a:r>
-              <a:rPr lang="en-US" sz="1200" dirty="0"/>
+              <a:rPr lang="en-US" sz="1200"/>
               <a:t>shares</a:t>
             </a:r>
-            <a:endParaRPr lang="en-US" sz="1200" i="1" dirty="0"/>
+            <a:endParaRPr lang="en-US" sz="1200" i="1"/>
           </a:p>
         </p:txBody>
       </p:sp>
@@ -33804,22 +33968,22 @@
           <a:p>
             <a:pPr algn="ctr"/>
             <a:r>
-              <a:rPr lang="en-US" sz="1200" dirty="0"/>
+              <a:rPr lang="en-US" sz="1200"/>
               <a:t>Each share has </a:t>
             </a:r>
             <a:r>
-              <a:rPr lang="en-US" sz="1200" i="1" dirty="0"/>
+              <a:rPr lang="en-US" sz="1200" i="1"/>
               <a:t>m </a:t>
             </a:r>
             <a:r>
-              <a:rPr lang="en-US" sz="1200" dirty="0"/>
+              <a:rPr lang="en-US" sz="1200"/>
               <a:t>pixels</a:t>
             </a:r>
           </a:p>
         </p:txBody>
       </p:sp>
-      <mc:AlternateContent xmlns:mc="http://schemas.openxmlformats.org/markup-compatibility/2006">
-        <mc:Choice xmlns:a14="http://schemas.microsoft.com/office/drawing/2010/main" Requires="a14">
+      <mc:AlternateContent xmlns:mc="http://schemas.openxmlformats.org/markup-compatibility/2006" xmlns:a14="http://schemas.microsoft.com/office/drawing/2010/main">
+        <mc:Choice Requires="a14">
           <p:sp>
             <p:nvSpPr>
               <p:cNvPr id="39" name="TextBox 38">
@@ -33864,12 +34028,12 @@
                     </m:oMath>
                   </m:oMathPara>
                 </a14:m>
-                <a:endParaRPr lang="en-US" sz="2800" dirty="0"/>
+                <a:endParaRPr lang="en-US" sz="2800"/>
               </a:p>
             </p:txBody>
           </p:sp>
         </mc:Choice>
-        <mc:Fallback>
+        <mc:Fallback xmlns="">
           <p:sp>
             <p:nvSpPr>
               <p:cNvPr id="39" name="TextBox 38">
@@ -33895,7 +34059,7 @@
               <a:blipFill>
                 <a:blip r:embed="rId13"/>
                 <a:stretch>
-                  <a:fillRect b="-5882"/>
+                  <a:fillRect/>
                 </a:stretch>
               </a:blipFill>
             </p:spPr>
@@ -33963,8 +34127,8 @@
           </a:p>
         </p:txBody>
       </p:sp>
-      <mc:AlternateContent xmlns:mc="http://schemas.openxmlformats.org/markup-compatibility/2006">
-        <mc:Choice xmlns:a14="http://schemas.microsoft.com/office/drawing/2010/main" Requires="a14">
+      <mc:AlternateContent xmlns:mc="http://schemas.openxmlformats.org/markup-compatibility/2006" xmlns:a14="http://schemas.microsoft.com/office/drawing/2010/main">
+        <mc:Choice Requires="a14">
           <p:sp>
             <p:nvSpPr>
               <p:cNvPr id="51" name="TextBox 50">
@@ -33995,6 +34159,7 @@
               </a:bodyPr>
               <a:lstStyle/>
               <a:p>
+                <a:pPr/>
                 <a14:m>
                   <m:oMathPara xmlns:m="http://schemas.openxmlformats.org/officeDocument/2006/math">
                     <m:oMathParaPr>
@@ -34587,12 +34752,12 @@
                     </m:oMath>
                   </m:oMathPara>
                 </a14:m>
-                <a:endParaRPr lang="en-US" sz="1400" dirty="0"/>
+                <a:endParaRPr lang="en-US" sz="1400"/>
               </a:p>
             </p:txBody>
           </p:sp>
         </mc:Choice>
-        <mc:Fallback>
+        <mc:Fallback xmlns="">
           <p:sp>
             <p:nvSpPr>
               <p:cNvPr id="51" name="TextBox 50">
@@ -34618,7 +34783,7 @@
               <a:blipFill>
                 <a:blip r:embed="rId14"/>
                 <a:stretch>
-                  <a:fillRect t="-1087"/>
+                  <a:fillRect/>
                 </a:stretch>
               </a:blipFill>
             </p:spPr>
@@ -34716,11 +34881,11 @@
           <a:p>
             <a:pPr algn="ctr"/>
             <a:r>
-              <a:rPr lang="en-US" sz="1200" i="1" dirty="0"/>
+              <a:rPr lang="en-US" sz="1200" i="1"/>
               <a:t>m </a:t>
             </a:r>
             <a:r>
-              <a:rPr lang="en-US" sz="1200" dirty="0"/>
+              <a:rPr lang="en-US" sz="1200"/>
               <a:t>pixels</a:t>
             </a:r>
           </a:p>
@@ -34756,14 +34921,14 @@
           <a:p>
             <a:pPr algn="ctr"/>
             <a:r>
-              <a:rPr lang="en-US" sz="1200" i="1" dirty="0"/>
+              <a:rPr lang="en-US" sz="1200" i="1"/>
               <a:t>n </a:t>
             </a:r>
           </a:p>
           <a:p>
             <a:pPr algn="ctr"/>
             <a:r>
-              <a:rPr lang="en-US" sz="1200" dirty="0"/>
+              <a:rPr lang="en-US" sz="1200"/>
               <a:t>shares</a:t>
             </a:r>
           </a:p>
@@ -34847,46 +35012,46 @@
           <a:lstStyle/>
           <a:p>
             <a:r>
-              <a:rPr lang="en-US" sz="1800" dirty="0"/>
+              <a:rPr lang="en-US" sz="1800"/>
               <a:t> </a:t>
             </a:r>
             <a:r>
-              <a:rPr lang="en-US" sz="1800" i="1" dirty="0"/>
+              <a:rPr lang="en-US" sz="1800" i="1"/>
               <a:t>S</a:t>
             </a:r>
             <a:r>
-              <a:rPr lang="en-US" sz="1800" i="1" baseline="-25000" dirty="0"/>
+              <a:rPr lang="en-US" sz="1800" i="1" baseline="-25000"/>
               <a:t>0</a:t>
             </a:r>
             <a:r>
-              <a:rPr lang="en-US" sz="1800" dirty="0"/>
+              <a:rPr lang="en-US" sz="1800"/>
               <a:t> / </a:t>
             </a:r>
             <a:r>
-              <a:rPr lang="en-US" sz="1800" i="1" dirty="0"/>
+              <a:rPr lang="en-US" sz="1800" i="1"/>
               <a:t>S</a:t>
             </a:r>
             <a:r>
-              <a:rPr lang="en-US" sz="1800" i="1" baseline="-25000" dirty="0"/>
+              <a:rPr lang="en-US" sz="1800" i="1" baseline="-25000"/>
               <a:t>1</a:t>
             </a:r>
             <a:r>
-              <a:rPr lang="en-US" dirty="0"/>
+              <a:rPr lang="en-US"/>
               <a:t> </a:t>
             </a:r>
             <a:r>
-              <a:rPr lang="en-US" sz="1800" dirty="0"/>
+              <a:rPr lang="en-US" sz="1800"/>
               <a:t>= s</a:t>
             </a:r>
             <a:r>
-              <a:rPr lang="en-US" sz="1800" baseline="-25000" dirty="0"/>
+              <a:rPr lang="en-US" sz="1800" baseline="-25000"/>
               <a:t>i, j</a:t>
             </a:r>
             <a:r>
-              <a:rPr lang="en-US" sz="1800" dirty="0"/>
+              <a:rPr lang="en-US" sz="1800"/>
               <a:t> (m x n)</a:t>
             </a:r>
-            <a:endParaRPr lang="en-US" dirty="0"/>
+            <a:endParaRPr lang="en-US"/>
           </a:p>
         </p:txBody>
       </p:sp>
@@ -34970,29 +35135,29 @@
           <a:lstStyle/>
           <a:p>
             <a:r>
-              <a:rPr lang="en-US" sz="1400" i="1" dirty="0"/>
+              <a:rPr lang="en-US" sz="1400" i="1"/>
               <a:t>S</a:t>
             </a:r>
             <a:r>
-              <a:rPr lang="en-US" sz="1400" i="1" baseline="-25000" dirty="0"/>
+              <a:rPr lang="en-US" sz="1400" i="1" baseline="-25000"/>
               <a:t>0</a:t>
             </a:r>
             <a:r>
-              <a:rPr lang="en-US" sz="1400" dirty="0"/>
+              <a:rPr lang="en-US" sz="1400"/>
               <a:t> =&gt; white pixel shares</a:t>
             </a:r>
           </a:p>
           <a:p>
             <a:r>
-              <a:rPr lang="en-US" sz="1400" i="1" dirty="0"/>
+              <a:rPr lang="en-US" sz="1400" i="1"/>
               <a:t>S</a:t>
             </a:r>
             <a:r>
-              <a:rPr lang="en-US" sz="1400" i="1" baseline="-25000" dirty="0"/>
+              <a:rPr lang="en-US" sz="1400" i="1" baseline="-25000"/>
               <a:t>1</a:t>
             </a:r>
             <a:r>
-              <a:rPr lang="en-US" sz="1400" dirty="0"/>
+              <a:rPr lang="en-US" sz="1400"/>
               <a:t> =&gt; black pixel shares</a:t>
             </a:r>
           </a:p>
@@ -35542,6 +35707,14 @@
 </file>
 
 <file path=customXml/item1.xml><?xml version="1.0" encoding="utf-8"?>
+<p:properties xmlns:p="http://schemas.microsoft.com/office/2006/metadata/properties" xmlns:xsi="http://www.w3.org/2001/XMLSchema-instance" xmlns:pc="http://schemas.microsoft.com/office/infopath/2007/PartnerControls">
+  <documentManagement>
+    <_activity xmlns="962a07fd-2ac3-4f0b-9c4e-d7d18a6fba01" xsi:nil="true"/>
+  </documentManagement>
+</p:properties>
+</file>
+
+<file path=customXml/item2.xml><?xml version="1.0" encoding="utf-8"?>
 <?mso-contentType ?>
 <FormTemplates xmlns="http://schemas.microsoft.com/sharepoint/v3/contenttype/forms">
   <Display>DocumentLibraryForm</Display>
@@ -35550,7 +35723,7 @@
 </FormTemplates>
 </file>
 
-<file path=customXml/item2.xml><?xml version="1.0" encoding="utf-8"?>
+<file path=customXml/item3.xml><?xml version="1.0" encoding="utf-8"?>
 <ct:contentTypeSchema xmlns:ct="http://schemas.microsoft.com/office/2006/metadata/contentType" xmlns:ma="http://schemas.microsoft.com/office/2006/metadata/properties/metaAttributes" ct:_="" ma:_="" ma:contentTypeName="Document" ma:contentTypeID="0x0101004700E173AAECC943AE467C7BB78C7A23" ma:contentTypeVersion="15" ma:contentTypeDescription="Create a new document." ma:contentTypeScope="" ma:versionID="31e2ec86b5f66f36354df11ae7562c58">
   <xsd:schema xmlns:xsd="http://www.w3.org/2001/XMLSchema" xmlns:xs="http://www.w3.org/2001/XMLSchema" xmlns:p="http://schemas.microsoft.com/office/2006/metadata/properties" xmlns:ns3="962a07fd-2ac3-4f0b-9c4e-d7d18a6fba01" xmlns:ns4="0e923c0c-92db-4e05-b9d9-89b1c17b581b" targetNamespace="http://schemas.microsoft.com/office/2006/metadata/properties" ma:root="true" ma:fieldsID="7dfc19889933b075b5746195282ceb23" ns3:_="" ns4:_="">
     <xsd:import namespace="962a07fd-2ac3-4f0b-9c4e-d7d18a6fba01"/>
@@ -35783,15 +35956,24 @@
 </ct:contentTypeSchema>
 </file>
 
-<file path=customXml/item3.xml><?xml version="1.0" encoding="utf-8"?>
-<p:properties xmlns:p="http://schemas.microsoft.com/office/2006/metadata/properties" xmlns:xsi="http://www.w3.org/2001/XMLSchema-instance" xmlns:pc="http://schemas.microsoft.com/office/infopath/2007/PartnerControls">
-  <documentManagement>
-    <_activity xmlns="962a07fd-2ac3-4f0b-9c4e-d7d18a6fba01" xsi:nil="true"/>
-  </documentManagement>
-</p:properties>
+<file path=customXml/itemProps1.xml><?xml version="1.0" encoding="utf-8"?>
+<ds:datastoreItem xmlns:ds="http://schemas.openxmlformats.org/officeDocument/2006/customXml" ds:itemID="{B5B18602-44F1-4122-979F-EE431F3064AD}">
+  <ds:schemaRefs>
+    <ds:schemaRef ds:uri="http://schemas.microsoft.com/office/2006/metadata/properties"/>
+    <ds:schemaRef ds:uri="http://purl.org/dc/terms/"/>
+    <ds:schemaRef ds:uri="http://www.w3.org/XML/1998/namespace"/>
+    <ds:schemaRef ds:uri="http://purl.org/dc/dcmitype/"/>
+    <ds:schemaRef ds:uri="962a07fd-2ac3-4f0b-9c4e-d7d18a6fba01"/>
+    <ds:schemaRef ds:uri="http://schemas.microsoft.com/office/2006/documentManagement/types"/>
+    <ds:schemaRef ds:uri="0e923c0c-92db-4e05-b9d9-89b1c17b581b"/>
+    <ds:schemaRef ds:uri="http://schemas.openxmlformats.org/package/2006/metadata/core-properties"/>
+    <ds:schemaRef ds:uri="http://schemas.microsoft.com/office/infopath/2007/PartnerControls"/>
+    <ds:schemaRef ds:uri="http://purl.org/dc/elements/1.1/"/>
+  </ds:schemaRefs>
+</ds:datastoreItem>
 </file>
 
-<file path=customXml/itemProps1.xml><?xml version="1.0" encoding="utf-8"?>
+<file path=customXml/itemProps2.xml><?xml version="1.0" encoding="utf-8"?>
 <ds:datastoreItem xmlns:ds="http://schemas.openxmlformats.org/officeDocument/2006/customXml" ds:itemID="{79C43EF1-70B6-4491-94C8-DAD7A93DB3A5}">
   <ds:schemaRefs>
     <ds:schemaRef ds:uri="http://schemas.microsoft.com/sharepoint/v3/contenttype/forms"/>
@@ -35799,34 +35981,22 @@
 </ds:datastoreItem>
 </file>
 
-<file path=customXml/itemProps2.xml><?xml version="1.0" encoding="utf-8"?>
+<file path=customXml/itemProps3.xml><?xml version="1.0" encoding="utf-8"?>
 <ds:datastoreItem xmlns:ds="http://schemas.openxmlformats.org/officeDocument/2006/customXml" ds:itemID="{585C14EA-DCC5-4274-AAC5-1FA1BA81E3A1}">
   <ds:schemaRefs>
     <ds:schemaRef ds:uri="0e923c0c-92db-4e05-b9d9-89b1c17b581b"/>
     <ds:schemaRef ds:uri="962a07fd-2ac3-4f0b-9c4e-d7d18a6fba01"/>
-    <ds:schemaRef ds:uri="http://schemas.microsoft.com/office/2006/metadata/contentType"/>
-    <ds:schemaRef ds:uri="http://schemas.microsoft.com/office/2006/metadata/properties/metaAttributes"/>
-    <ds:schemaRef ds:uri="http://www.w3.org/2000/xmlns/"/>
-    <ds:schemaRef ds:uri="http://www.w3.org/2001/XMLSchema"/>
-    <ds:schemaRef ds:uri="http://schemas.microsoft.com/office/2006/metadata/properties"/>
-    <ds:schemaRef ds:uri="http://schemas.microsoft.com/office/2006/documentManagement/types"/>
-    <ds:schemaRef ds:uri="http://schemas.microsoft.com/office/infopath/2007/PartnerControls"/>
-    <ds:schemaRef ds:uri="http://schemas.openxmlformats.org/package/2006/metadata/core-properties"/>
     <ds:schemaRef ds:uri="http://purl.org/dc/elements/1.1/"/>
     <ds:schemaRef ds:uri="http://purl.org/dc/terms/"/>
     <ds:schemaRef ds:uri="http://schemas.microsoft.com/internal/obd"/>
-  </ds:schemaRefs>
-</ds:datastoreItem>
-</file>
-
-<file path=customXml/itemProps3.xml><?xml version="1.0" encoding="utf-8"?>
-<ds:datastoreItem xmlns:ds="http://schemas.openxmlformats.org/officeDocument/2006/customXml" ds:itemID="{B5B18602-44F1-4122-979F-EE431F3064AD}">
-  <ds:schemaRefs>
-    <ds:schemaRef ds:uri="962a07fd-2ac3-4f0b-9c4e-d7d18a6fba01"/>
+    <ds:schemaRef ds:uri="http://schemas.microsoft.com/office/2006/documentManagement/types"/>
+    <ds:schemaRef ds:uri="http://schemas.microsoft.com/office/2006/metadata/contentType"/>
     <ds:schemaRef ds:uri="http://schemas.microsoft.com/office/2006/metadata/properties"/>
+    <ds:schemaRef ds:uri="http://schemas.microsoft.com/office/2006/metadata/properties/metaAttributes"/>
+    <ds:schemaRef ds:uri="http://schemas.microsoft.com/office/infopath/2007/PartnerControls"/>
+    <ds:schemaRef ds:uri="http://schemas.openxmlformats.org/package/2006/metadata/core-properties"/>
     <ds:schemaRef ds:uri="http://www.w3.org/2000/xmlns/"/>
-    <ds:schemaRef ds:uri="http://www.w3.org/2001/XMLSchema-instance"/>
-    <ds:schemaRef ds:uri="http://schemas.microsoft.com/office/infopath/2007/PartnerControls"/>
+    <ds:schemaRef ds:uri="http://www.w3.org/2001/XMLSchema"/>
   </ds:schemaRefs>
 </ds:datastoreItem>
 </file>